--- a/2025_job_talk_ucla/boss.pptx
+++ b/2025_job_talk_ucla/boss.pptx
@@ -2,20 +2,19 @@
 <file path=ppt/presentation.xml><?xml version="1.0" encoding="utf-8"?>
 <p:presentation xmlns:a="http://schemas.openxmlformats.org/drawingml/2006/main" xmlns:r="http://schemas.openxmlformats.org/officeDocument/2006/relationships" xmlns:p="http://schemas.openxmlformats.org/presentationml/2006/main" saveSubsetFonts="1">
   <p:sldMasterIdLst>
-    <p:sldMasterId id="2147483648" r:id="rId1"/>
+    <p:sldMasterId id="2147483696" r:id="rId1"/>
   </p:sldMasterIdLst>
   <p:sldIdLst>
-    <p:sldId id="268" r:id="rId2"/>
-    <p:sldId id="270" r:id="rId3"/>
-    <p:sldId id="269" r:id="rId4"/>
+    <p:sldId id="274" r:id="rId2"/>
+    <p:sldId id="275" r:id="rId3"/>
   </p:sldIdLst>
-  <p:sldSz cx="12192000" cy="6858000"/>
+  <p:sldSz cx="7315200" cy="7315200"/>
   <p:notesSz cx="6858000" cy="9144000"/>
   <p:defaultTextStyle>
     <a:defPPr>
       <a:defRPr lang="en-US"/>
     </a:defPPr>
-    <a:lvl1pPr marL="0" algn="l" defTabSz="914400" rtl="0" eaLnBrk="1" latinLnBrk="0" hangingPunct="1">
+    <a:lvl1pPr marL="0" algn="l" defTabSz="457200" rtl="0" eaLnBrk="1" latinLnBrk="0" hangingPunct="1">
       <a:defRPr sz="1800" kern="1200">
         <a:solidFill>
           <a:schemeClr val="tx1"/>
@@ -25,7 +24,7 @@
         <a:cs typeface="+mn-cs"/>
       </a:defRPr>
     </a:lvl1pPr>
-    <a:lvl2pPr marL="457200" algn="l" defTabSz="914400" rtl="0" eaLnBrk="1" latinLnBrk="0" hangingPunct="1">
+    <a:lvl2pPr marL="457200" algn="l" defTabSz="457200" rtl="0" eaLnBrk="1" latinLnBrk="0" hangingPunct="1">
       <a:defRPr sz="1800" kern="1200">
         <a:solidFill>
           <a:schemeClr val="tx1"/>
@@ -35,7 +34,7 @@
         <a:cs typeface="+mn-cs"/>
       </a:defRPr>
     </a:lvl2pPr>
-    <a:lvl3pPr marL="914400" algn="l" defTabSz="914400" rtl="0" eaLnBrk="1" latinLnBrk="0" hangingPunct="1">
+    <a:lvl3pPr marL="914400" algn="l" defTabSz="457200" rtl="0" eaLnBrk="1" latinLnBrk="0" hangingPunct="1">
       <a:defRPr sz="1800" kern="1200">
         <a:solidFill>
           <a:schemeClr val="tx1"/>
@@ -45,7 +44,7 @@
         <a:cs typeface="+mn-cs"/>
       </a:defRPr>
     </a:lvl3pPr>
-    <a:lvl4pPr marL="1371600" algn="l" defTabSz="914400" rtl="0" eaLnBrk="1" latinLnBrk="0" hangingPunct="1">
+    <a:lvl4pPr marL="1371600" algn="l" defTabSz="457200" rtl="0" eaLnBrk="1" latinLnBrk="0" hangingPunct="1">
       <a:defRPr sz="1800" kern="1200">
         <a:solidFill>
           <a:schemeClr val="tx1"/>
@@ -55,7 +54,7 @@
         <a:cs typeface="+mn-cs"/>
       </a:defRPr>
     </a:lvl4pPr>
-    <a:lvl5pPr marL="1828800" algn="l" defTabSz="914400" rtl="0" eaLnBrk="1" latinLnBrk="0" hangingPunct="1">
+    <a:lvl5pPr marL="1828800" algn="l" defTabSz="457200" rtl="0" eaLnBrk="1" latinLnBrk="0" hangingPunct="1">
       <a:defRPr sz="1800" kern="1200">
         <a:solidFill>
           <a:schemeClr val="tx1"/>
@@ -65,7 +64,7 @@
         <a:cs typeface="+mn-cs"/>
       </a:defRPr>
     </a:lvl5pPr>
-    <a:lvl6pPr marL="2286000" algn="l" defTabSz="914400" rtl="0" eaLnBrk="1" latinLnBrk="0" hangingPunct="1">
+    <a:lvl6pPr marL="2286000" algn="l" defTabSz="457200" rtl="0" eaLnBrk="1" latinLnBrk="0" hangingPunct="1">
       <a:defRPr sz="1800" kern="1200">
         <a:solidFill>
           <a:schemeClr val="tx1"/>
@@ -75,7 +74,7 @@
         <a:cs typeface="+mn-cs"/>
       </a:defRPr>
     </a:lvl6pPr>
-    <a:lvl7pPr marL="2743200" algn="l" defTabSz="914400" rtl="0" eaLnBrk="1" latinLnBrk="0" hangingPunct="1">
+    <a:lvl7pPr marL="2743200" algn="l" defTabSz="457200" rtl="0" eaLnBrk="1" latinLnBrk="0" hangingPunct="1">
       <a:defRPr sz="1800" kern="1200">
         <a:solidFill>
           <a:schemeClr val="tx1"/>
@@ -85,7 +84,7 @@
         <a:cs typeface="+mn-cs"/>
       </a:defRPr>
     </a:lvl7pPr>
-    <a:lvl8pPr marL="3200400" algn="l" defTabSz="914400" rtl="0" eaLnBrk="1" latinLnBrk="0" hangingPunct="1">
+    <a:lvl8pPr marL="3200400" algn="l" defTabSz="457200" rtl="0" eaLnBrk="1" latinLnBrk="0" hangingPunct="1">
       <a:defRPr sz="1800" kern="1200">
         <a:solidFill>
           <a:schemeClr val="tx1"/>
@@ -95,7 +94,7 @@
         <a:cs typeface="+mn-cs"/>
       </a:defRPr>
     </a:lvl8pPr>
-    <a:lvl9pPr marL="3657600" algn="l" defTabSz="914400" rtl="0" eaLnBrk="1" latinLnBrk="0" hangingPunct="1">
+    <a:lvl9pPr marL="3657600" algn="l" defTabSz="457200" rtl="0" eaLnBrk="1" latinLnBrk="0" hangingPunct="1">
       <a:defRPr sz="1800" kern="1200">
         <a:solidFill>
           <a:schemeClr val="tx1"/>
@@ -133,13 +132,7 @@
       </p:grpSpPr>
       <p:sp>
         <p:nvSpPr>
-          <p:cNvPr id="2" name="Title 1">
-            <a:extLst>
-              <a:ext uri="{FF2B5EF4-FFF2-40B4-BE49-F238E27FC236}">
-                <a16:creationId xmlns:a16="http://schemas.microsoft.com/office/drawing/2014/main" id="{102CBA74-FF4A-2022-3FBF-E03075C509E9}"/>
-              </a:ext>
-            </a:extLst>
-          </p:cNvPr>
+          <p:cNvPr id="2" name="Title 1"/>
           <p:cNvSpPr>
             <a:spLocks noGrp="1"/>
           </p:cNvSpPr>
@@ -149,15 +142,15 @@
         </p:nvSpPr>
         <p:spPr>
           <a:xfrm>
-            <a:off x="1524000" y="1122363"/>
-            <a:ext cx="9144000" cy="2387600"/>
+            <a:off x="548640" y="1197187"/>
+            <a:ext cx="6217920" cy="2546773"/>
           </a:xfrm>
         </p:spPr>
         <p:txBody>
           <a:bodyPr anchor="b"/>
           <a:lstStyle>
             <a:lvl1pPr algn="ctr">
-              <a:defRPr sz="6000"/>
+              <a:defRPr sz="4800"/>
             </a:lvl1pPr>
           </a:lstStyle>
           <a:p>
@@ -165,18 +158,13 @@
               <a:rPr lang="en-US"/>
               <a:t>Click to edit Master title style</a:t>
             </a:r>
-          </a:p>
-        </p:txBody>
-      </p:sp>
-      <p:sp>
-        <p:nvSpPr>
-          <p:cNvPr id="3" name="Subtitle 2">
-            <a:extLst>
-              <a:ext uri="{FF2B5EF4-FFF2-40B4-BE49-F238E27FC236}">
-                <a16:creationId xmlns:a16="http://schemas.microsoft.com/office/drawing/2014/main" id="{34FA9630-61ED-ECCD-756F-3BB92B579148}"/>
-              </a:ext>
-            </a:extLst>
-          </p:cNvPr>
+            <a:endParaRPr lang="en-US" dirty="0"/>
+          </a:p>
+        </p:txBody>
+      </p:sp>
+      <p:sp>
+        <p:nvSpPr>
+          <p:cNvPr id="3" name="Subtitle 2"/>
           <p:cNvSpPr>
             <a:spLocks noGrp="1"/>
           </p:cNvSpPr>
@@ -186,8 +174,8 @@
         </p:nvSpPr>
         <p:spPr>
           <a:xfrm>
-            <a:off x="1524000" y="3602038"/>
-            <a:ext cx="9144000" cy="1655762"/>
+            <a:off x="914400" y="3842174"/>
+            <a:ext cx="5486400" cy="1766146"/>
           </a:xfrm>
         </p:spPr>
         <p:txBody>
@@ -195,39 +183,39 @@
           <a:lstStyle>
             <a:lvl1pPr marL="0" indent="0" algn="ctr">
               <a:buNone/>
-              <a:defRPr sz="2400"/>
+              <a:defRPr sz="1920"/>
             </a:lvl1pPr>
-            <a:lvl2pPr marL="457200" indent="0" algn="ctr">
-              <a:buNone/>
-              <a:defRPr sz="2000"/>
+            <a:lvl2pPr marL="365760" indent="0" algn="ctr">
+              <a:buNone/>
+              <a:defRPr sz="1600"/>
             </a:lvl2pPr>
-            <a:lvl3pPr marL="914400" indent="0" algn="ctr">
-              <a:buNone/>
-              <a:defRPr sz="1800"/>
+            <a:lvl3pPr marL="731520" indent="0" algn="ctr">
+              <a:buNone/>
+              <a:defRPr sz="1440"/>
             </a:lvl3pPr>
-            <a:lvl4pPr marL="1371600" indent="0" algn="ctr">
-              <a:buNone/>
-              <a:defRPr sz="1600"/>
+            <a:lvl4pPr marL="1097280" indent="0" algn="ctr">
+              <a:buNone/>
+              <a:defRPr sz="1280"/>
             </a:lvl4pPr>
-            <a:lvl5pPr marL="1828800" indent="0" algn="ctr">
-              <a:buNone/>
-              <a:defRPr sz="1600"/>
+            <a:lvl5pPr marL="1463040" indent="0" algn="ctr">
+              <a:buNone/>
+              <a:defRPr sz="1280"/>
             </a:lvl5pPr>
-            <a:lvl6pPr marL="2286000" indent="0" algn="ctr">
-              <a:buNone/>
-              <a:defRPr sz="1600"/>
+            <a:lvl6pPr marL="1828800" indent="0" algn="ctr">
+              <a:buNone/>
+              <a:defRPr sz="1280"/>
             </a:lvl6pPr>
-            <a:lvl7pPr marL="2743200" indent="0" algn="ctr">
-              <a:buNone/>
-              <a:defRPr sz="1600"/>
+            <a:lvl7pPr marL="2194560" indent="0" algn="ctr">
+              <a:buNone/>
+              <a:defRPr sz="1280"/>
             </a:lvl7pPr>
-            <a:lvl8pPr marL="3200400" indent="0" algn="ctr">
-              <a:buNone/>
-              <a:defRPr sz="1600"/>
+            <a:lvl8pPr marL="2560320" indent="0" algn="ctr">
+              <a:buNone/>
+              <a:defRPr sz="1280"/>
             </a:lvl8pPr>
-            <a:lvl9pPr marL="3657600" indent="0" algn="ctr">
-              <a:buNone/>
-              <a:defRPr sz="1600"/>
+            <a:lvl9pPr marL="2926080" indent="0" algn="ctr">
+              <a:buNone/>
+              <a:defRPr sz="1280"/>
             </a:lvl9pPr>
           </a:lstStyle>
           <a:p>
@@ -235,18 +223,13 @@
               <a:rPr lang="en-US"/>
               <a:t>Click to edit Master subtitle style</a:t>
             </a:r>
-          </a:p>
-        </p:txBody>
-      </p:sp>
-      <p:sp>
-        <p:nvSpPr>
-          <p:cNvPr id="4" name="Date Placeholder 3">
-            <a:extLst>
-              <a:ext uri="{FF2B5EF4-FFF2-40B4-BE49-F238E27FC236}">
-                <a16:creationId xmlns:a16="http://schemas.microsoft.com/office/drawing/2014/main" id="{EAE70797-A00F-03DB-C83D-B4BC89846080}"/>
-              </a:ext>
-            </a:extLst>
-          </p:cNvPr>
+            <a:endParaRPr lang="en-US" dirty="0"/>
+          </a:p>
+        </p:txBody>
+      </p:sp>
+      <p:sp>
+        <p:nvSpPr>
+          <p:cNvPr id="4" name="Date Placeholder 3"/>
           <p:cNvSpPr>
             <a:spLocks noGrp="1"/>
           </p:cNvSpPr>
@@ -261,7 +244,7 @@
           <a:p>
             <a:fld id="{42BCDED8-1B3A-4635-AEC7-1D0A7E84F724}" type="datetimeFigureOut">
               <a:rPr lang="en-US" smtClean="0"/>
-              <a:t>2/28/2025</a:t>
+              <a:t>3/3/2025</a:t>
             </a:fld>
             <a:endParaRPr lang="en-US"/>
           </a:p>
@@ -269,13 +252,7 @@
       </p:sp>
       <p:sp>
         <p:nvSpPr>
-          <p:cNvPr id="5" name="Footer Placeholder 4">
-            <a:extLst>
-              <a:ext uri="{FF2B5EF4-FFF2-40B4-BE49-F238E27FC236}">
-                <a16:creationId xmlns:a16="http://schemas.microsoft.com/office/drawing/2014/main" id="{97F291D3-44EC-F250-485B-2B967DF0F5C6}"/>
-              </a:ext>
-            </a:extLst>
-          </p:cNvPr>
+          <p:cNvPr id="5" name="Footer Placeholder 4"/>
           <p:cNvSpPr>
             <a:spLocks noGrp="1"/>
           </p:cNvSpPr>
@@ -294,13 +271,7 @@
       </p:sp>
       <p:sp>
         <p:nvSpPr>
-          <p:cNvPr id="6" name="Slide Number Placeholder 5">
-            <a:extLst>
-              <a:ext uri="{FF2B5EF4-FFF2-40B4-BE49-F238E27FC236}">
-                <a16:creationId xmlns:a16="http://schemas.microsoft.com/office/drawing/2014/main" id="{0CD98324-D2F4-4218-DC9B-C94160088296}"/>
-              </a:ext>
-            </a:extLst>
-          </p:cNvPr>
+          <p:cNvPr id="6" name="Slide Number Placeholder 5"/>
           <p:cNvSpPr>
             <a:spLocks noGrp="1"/>
           </p:cNvSpPr>
@@ -324,7 +295,7 @@
     </p:spTree>
     <p:extLst>
       <p:ext uri="{BB962C8B-B14F-4D97-AF65-F5344CB8AC3E}">
-        <p14:creationId xmlns:p14="http://schemas.microsoft.com/office/powerpoint/2010/main" val="3092849458"/>
+        <p14:creationId xmlns:p14="http://schemas.microsoft.com/office/powerpoint/2010/main" val="1328765612"/>
       </p:ext>
     </p:extLst>
   </p:cSld>
@@ -353,13 +324,7 @@
       </p:grpSpPr>
       <p:sp>
         <p:nvSpPr>
-          <p:cNvPr id="2" name="Title 1">
-            <a:extLst>
-              <a:ext uri="{FF2B5EF4-FFF2-40B4-BE49-F238E27FC236}">
-                <a16:creationId xmlns:a16="http://schemas.microsoft.com/office/drawing/2014/main" id="{BA426EDA-CAA2-B94E-12B4-30B0D6A98486}"/>
-              </a:ext>
-            </a:extLst>
-          </p:cNvPr>
+          <p:cNvPr id="2" name="Title 1"/>
           <p:cNvSpPr>
             <a:spLocks noGrp="1"/>
           </p:cNvSpPr>
@@ -376,18 +341,13 @@
               <a:rPr lang="en-US"/>
               <a:t>Click to edit Master title style</a:t>
             </a:r>
-          </a:p>
-        </p:txBody>
-      </p:sp>
-      <p:sp>
-        <p:nvSpPr>
-          <p:cNvPr id="3" name="Vertical Text Placeholder 2">
-            <a:extLst>
-              <a:ext uri="{FF2B5EF4-FFF2-40B4-BE49-F238E27FC236}">
-                <a16:creationId xmlns:a16="http://schemas.microsoft.com/office/drawing/2014/main" id="{CED5E479-41A3-1D6D-C542-14B1A36F76B7}"/>
-              </a:ext>
-            </a:extLst>
-          </p:cNvPr>
+            <a:endParaRPr lang="en-US" dirty="0"/>
+          </a:p>
+        </p:txBody>
+      </p:sp>
+      <p:sp>
+        <p:nvSpPr>
+          <p:cNvPr id="3" name="Vertical Text Placeholder 2"/>
           <p:cNvSpPr>
             <a:spLocks noGrp="1"/>
           </p:cNvSpPr>
@@ -433,18 +393,13 @@
               <a:rPr lang="en-US"/>
               <a:t>Fifth level</a:t>
             </a:r>
-          </a:p>
-        </p:txBody>
-      </p:sp>
-      <p:sp>
-        <p:nvSpPr>
-          <p:cNvPr id="4" name="Date Placeholder 3">
-            <a:extLst>
-              <a:ext uri="{FF2B5EF4-FFF2-40B4-BE49-F238E27FC236}">
-                <a16:creationId xmlns:a16="http://schemas.microsoft.com/office/drawing/2014/main" id="{8BE0B823-5FF0-5CBD-367D-CA4DAF84E732}"/>
-              </a:ext>
-            </a:extLst>
-          </p:cNvPr>
+            <a:endParaRPr lang="en-US" dirty="0"/>
+          </a:p>
+        </p:txBody>
+      </p:sp>
+      <p:sp>
+        <p:nvSpPr>
+          <p:cNvPr id="4" name="Date Placeholder 3"/>
           <p:cNvSpPr>
             <a:spLocks noGrp="1"/>
           </p:cNvSpPr>
@@ -459,7 +414,7 @@
           <a:p>
             <a:fld id="{42BCDED8-1B3A-4635-AEC7-1D0A7E84F724}" type="datetimeFigureOut">
               <a:rPr lang="en-US" smtClean="0"/>
-              <a:t>2/28/2025</a:t>
+              <a:t>3/3/2025</a:t>
             </a:fld>
             <a:endParaRPr lang="en-US"/>
           </a:p>
@@ -467,13 +422,7 @@
       </p:sp>
       <p:sp>
         <p:nvSpPr>
-          <p:cNvPr id="5" name="Footer Placeholder 4">
-            <a:extLst>
-              <a:ext uri="{FF2B5EF4-FFF2-40B4-BE49-F238E27FC236}">
-                <a16:creationId xmlns:a16="http://schemas.microsoft.com/office/drawing/2014/main" id="{0DCA927E-D694-E4B7-7BA5-4E2F45680FA4}"/>
-              </a:ext>
-            </a:extLst>
-          </p:cNvPr>
+          <p:cNvPr id="5" name="Footer Placeholder 4"/>
           <p:cNvSpPr>
             <a:spLocks noGrp="1"/>
           </p:cNvSpPr>
@@ -492,13 +441,7 @@
       </p:sp>
       <p:sp>
         <p:nvSpPr>
-          <p:cNvPr id="6" name="Slide Number Placeholder 5">
-            <a:extLst>
-              <a:ext uri="{FF2B5EF4-FFF2-40B4-BE49-F238E27FC236}">
-                <a16:creationId xmlns:a16="http://schemas.microsoft.com/office/drawing/2014/main" id="{B03ACE0D-0175-CEE9-59DD-821D6911E2FD}"/>
-              </a:ext>
-            </a:extLst>
-          </p:cNvPr>
+          <p:cNvPr id="6" name="Slide Number Placeholder 5"/>
           <p:cNvSpPr>
             <a:spLocks noGrp="1"/>
           </p:cNvSpPr>
@@ -522,7 +465,7 @@
     </p:spTree>
     <p:extLst>
       <p:ext uri="{BB962C8B-B14F-4D97-AF65-F5344CB8AC3E}">
-        <p14:creationId xmlns:p14="http://schemas.microsoft.com/office/powerpoint/2010/main" val="3907176007"/>
+        <p14:creationId xmlns:p14="http://schemas.microsoft.com/office/powerpoint/2010/main" val="2868412233"/>
       </p:ext>
     </p:extLst>
   </p:cSld>
@@ -551,13 +494,7 @@
       </p:grpSpPr>
       <p:sp>
         <p:nvSpPr>
-          <p:cNvPr id="2" name="Vertical Title 1">
-            <a:extLst>
-              <a:ext uri="{FF2B5EF4-FFF2-40B4-BE49-F238E27FC236}">
-                <a16:creationId xmlns:a16="http://schemas.microsoft.com/office/drawing/2014/main" id="{BB81B701-C7EF-683B-1612-03BFEDCFBED6}"/>
-              </a:ext>
-            </a:extLst>
-          </p:cNvPr>
+          <p:cNvPr id="2" name="Vertical Title 1"/>
           <p:cNvSpPr>
             <a:spLocks noGrp="1"/>
           </p:cNvSpPr>
@@ -567,8 +504,8 @@
         </p:nvSpPr>
         <p:spPr>
           <a:xfrm>
-            <a:off x="8724900" y="365125"/>
-            <a:ext cx="2628900" cy="5811838"/>
+            <a:off x="5234940" y="389467"/>
+            <a:ext cx="1577340" cy="6199294"/>
           </a:xfrm>
         </p:spPr>
         <p:txBody>
@@ -579,18 +516,13 @@
               <a:rPr lang="en-US"/>
               <a:t>Click to edit Master title style</a:t>
             </a:r>
-          </a:p>
-        </p:txBody>
-      </p:sp>
-      <p:sp>
-        <p:nvSpPr>
-          <p:cNvPr id="3" name="Vertical Text Placeholder 2">
-            <a:extLst>
-              <a:ext uri="{FF2B5EF4-FFF2-40B4-BE49-F238E27FC236}">
-                <a16:creationId xmlns:a16="http://schemas.microsoft.com/office/drawing/2014/main" id="{E5C3F0D6-95FD-1E80-CC5C-69476211794C}"/>
-              </a:ext>
-            </a:extLst>
-          </p:cNvPr>
+            <a:endParaRPr lang="en-US" dirty="0"/>
+          </a:p>
+        </p:txBody>
+      </p:sp>
+      <p:sp>
+        <p:nvSpPr>
+          <p:cNvPr id="3" name="Vertical Text Placeholder 2"/>
           <p:cNvSpPr>
             <a:spLocks noGrp="1"/>
           </p:cNvSpPr>
@@ -600,8 +532,8 @@
         </p:nvSpPr>
         <p:spPr>
           <a:xfrm>
-            <a:off x="838200" y="365125"/>
-            <a:ext cx="7734300" cy="5811838"/>
+            <a:off x="502920" y="389467"/>
+            <a:ext cx="4640580" cy="6199294"/>
           </a:xfrm>
         </p:spPr>
         <p:txBody>
@@ -641,18 +573,13 @@
               <a:rPr lang="en-US"/>
               <a:t>Fifth level</a:t>
             </a:r>
-          </a:p>
-        </p:txBody>
-      </p:sp>
-      <p:sp>
-        <p:nvSpPr>
-          <p:cNvPr id="4" name="Date Placeholder 3">
-            <a:extLst>
-              <a:ext uri="{FF2B5EF4-FFF2-40B4-BE49-F238E27FC236}">
-                <a16:creationId xmlns:a16="http://schemas.microsoft.com/office/drawing/2014/main" id="{3AA133F9-68DF-91C2-9443-AC06FEC80B7E}"/>
-              </a:ext>
-            </a:extLst>
-          </p:cNvPr>
+            <a:endParaRPr lang="en-US" dirty="0"/>
+          </a:p>
+        </p:txBody>
+      </p:sp>
+      <p:sp>
+        <p:nvSpPr>
+          <p:cNvPr id="4" name="Date Placeholder 3"/>
           <p:cNvSpPr>
             <a:spLocks noGrp="1"/>
           </p:cNvSpPr>
@@ -667,7 +594,7 @@
           <a:p>
             <a:fld id="{42BCDED8-1B3A-4635-AEC7-1D0A7E84F724}" type="datetimeFigureOut">
               <a:rPr lang="en-US" smtClean="0"/>
-              <a:t>2/28/2025</a:t>
+              <a:t>3/3/2025</a:t>
             </a:fld>
             <a:endParaRPr lang="en-US"/>
           </a:p>
@@ -675,13 +602,7 @@
       </p:sp>
       <p:sp>
         <p:nvSpPr>
-          <p:cNvPr id="5" name="Footer Placeholder 4">
-            <a:extLst>
-              <a:ext uri="{FF2B5EF4-FFF2-40B4-BE49-F238E27FC236}">
-                <a16:creationId xmlns:a16="http://schemas.microsoft.com/office/drawing/2014/main" id="{FB83BEFD-F50C-4E35-3621-2AFF35A8C5D1}"/>
-              </a:ext>
-            </a:extLst>
-          </p:cNvPr>
+          <p:cNvPr id="5" name="Footer Placeholder 4"/>
           <p:cNvSpPr>
             <a:spLocks noGrp="1"/>
           </p:cNvSpPr>
@@ -700,13 +621,7 @@
       </p:sp>
       <p:sp>
         <p:nvSpPr>
-          <p:cNvPr id="6" name="Slide Number Placeholder 5">
-            <a:extLst>
-              <a:ext uri="{FF2B5EF4-FFF2-40B4-BE49-F238E27FC236}">
-                <a16:creationId xmlns:a16="http://schemas.microsoft.com/office/drawing/2014/main" id="{1ADF9B56-9DE2-F87B-362A-A5D857CECBA2}"/>
-              </a:ext>
-            </a:extLst>
-          </p:cNvPr>
+          <p:cNvPr id="6" name="Slide Number Placeholder 5"/>
           <p:cNvSpPr>
             <a:spLocks noGrp="1"/>
           </p:cNvSpPr>
@@ -730,7 +645,7 @@
     </p:spTree>
     <p:extLst>
       <p:ext uri="{BB962C8B-B14F-4D97-AF65-F5344CB8AC3E}">
-        <p14:creationId xmlns:p14="http://schemas.microsoft.com/office/powerpoint/2010/main" val="3097129339"/>
+        <p14:creationId xmlns:p14="http://schemas.microsoft.com/office/powerpoint/2010/main" val="3088439089"/>
       </p:ext>
     </p:extLst>
   </p:cSld>
@@ -759,13 +674,7 @@
       </p:grpSpPr>
       <p:sp>
         <p:nvSpPr>
-          <p:cNvPr id="2" name="Title 1">
-            <a:extLst>
-              <a:ext uri="{FF2B5EF4-FFF2-40B4-BE49-F238E27FC236}">
-                <a16:creationId xmlns:a16="http://schemas.microsoft.com/office/drawing/2014/main" id="{4C809770-E6EA-27FC-3BB6-6E0B2BD03111}"/>
-              </a:ext>
-            </a:extLst>
-          </p:cNvPr>
+          <p:cNvPr id="2" name="Title 1"/>
           <p:cNvSpPr>
             <a:spLocks noGrp="1"/>
           </p:cNvSpPr>
@@ -782,18 +691,13 @@
               <a:rPr lang="en-US"/>
               <a:t>Click to edit Master title style</a:t>
             </a:r>
-          </a:p>
-        </p:txBody>
-      </p:sp>
-      <p:sp>
-        <p:nvSpPr>
-          <p:cNvPr id="3" name="Content Placeholder 2">
-            <a:extLst>
-              <a:ext uri="{FF2B5EF4-FFF2-40B4-BE49-F238E27FC236}">
-                <a16:creationId xmlns:a16="http://schemas.microsoft.com/office/drawing/2014/main" id="{FB79566B-2783-474F-724D-DA1DCA0066F3}"/>
-              </a:ext>
-            </a:extLst>
-          </p:cNvPr>
+            <a:endParaRPr lang="en-US" dirty="0"/>
+          </a:p>
+        </p:txBody>
+      </p:sp>
+      <p:sp>
+        <p:nvSpPr>
+          <p:cNvPr id="3" name="Content Placeholder 2"/>
           <p:cNvSpPr>
             <a:spLocks noGrp="1"/>
           </p:cNvSpPr>
@@ -839,18 +743,13 @@
               <a:rPr lang="en-US"/>
               <a:t>Fifth level</a:t>
             </a:r>
-          </a:p>
-        </p:txBody>
-      </p:sp>
-      <p:sp>
-        <p:nvSpPr>
-          <p:cNvPr id="4" name="Date Placeholder 3">
-            <a:extLst>
-              <a:ext uri="{FF2B5EF4-FFF2-40B4-BE49-F238E27FC236}">
-                <a16:creationId xmlns:a16="http://schemas.microsoft.com/office/drawing/2014/main" id="{9071BB61-FAAF-EE86-C8A1-8B77F4FBC03C}"/>
-              </a:ext>
-            </a:extLst>
-          </p:cNvPr>
+            <a:endParaRPr lang="en-US" dirty="0"/>
+          </a:p>
+        </p:txBody>
+      </p:sp>
+      <p:sp>
+        <p:nvSpPr>
+          <p:cNvPr id="4" name="Date Placeholder 3"/>
           <p:cNvSpPr>
             <a:spLocks noGrp="1"/>
           </p:cNvSpPr>
@@ -865,7 +764,7 @@
           <a:p>
             <a:fld id="{42BCDED8-1B3A-4635-AEC7-1D0A7E84F724}" type="datetimeFigureOut">
               <a:rPr lang="en-US" smtClean="0"/>
-              <a:t>2/28/2025</a:t>
+              <a:t>3/3/2025</a:t>
             </a:fld>
             <a:endParaRPr lang="en-US"/>
           </a:p>
@@ -873,13 +772,7 @@
       </p:sp>
       <p:sp>
         <p:nvSpPr>
-          <p:cNvPr id="5" name="Footer Placeholder 4">
-            <a:extLst>
-              <a:ext uri="{FF2B5EF4-FFF2-40B4-BE49-F238E27FC236}">
-                <a16:creationId xmlns:a16="http://schemas.microsoft.com/office/drawing/2014/main" id="{F0B604F2-0920-4D43-7D4F-B72B9D0686E2}"/>
-              </a:ext>
-            </a:extLst>
-          </p:cNvPr>
+          <p:cNvPr id="5" name="Footer Placeholder 4"/>
           <p:cNvSpPr>
             <a:spLocks noGrp="1"/>
           </p:cNvSpPr>
@@ -898,13 +791,7 @@
       </p:sp>
       <p:sp>
         <p:nvSpPr>
-          <p:cNvPr id="6" name="Slide Number Placeholder 5">
-            <a:extLst>
-              <a:ext uri="{FF2B5EF4-FFF2-40B4-BE49-F238E27FC236}">
-                <a16:creationId xmlns:a16="http://schemas.microsoft.com/office/drawing/2014/main" id="{07B00426-917B-E0AF-E383-6E18814BF936}"/>
-              </a:ext>
-            </a:extLst>
-          </p:cNvPr>
+          <p:cNvPr id="6" name="Slide Number Placeholder 5"/>
           <p:cNvSpPr>
             <a:spLocks noGrp="1"/>
           </p:cNvSpPr>
@@ -928,7 +815,7 @@
     </p:spTree>
     <p:extLst>
       <p:ext uri="{BB962C8B-B14F-4D97-AF65-F5344CB8AC3E}">
-        <p14:creationId xmlns:p14="http://schemas.microsoft.com/office/powerpoint/2010/main" val="4141553763"/>
+        <p14:creationId xmlns:p14="http://schemas.microsoft.com/office/powerpoint/2010/main" val="1502201350"/>
       </p:ext>
     </p:extLst>
   </p:cSld>
@@ -957,13 +844,7 @@
       </p:grpSpPr>
       <p:sp>
         <p:nvSpPr>
-          <p:cNvPr id="2" name="Title 1">
-            <a:extLst>
-              <a:ext uri="{FF2B5EF4-FFF2-40B4-BE49-F238E27FC236}">
-                <a16:creationId xmlns:a16="http://schemas.microsoft.com/office/drawing/2014/main" id="{B4C6ED47-A837-B423-6C76-941998AAA783}"/>
-              </a:ext>
-            </a:extLst>
-          </p:cNvPr>
+          <p:cNvPr id="2" name="Title 1"/>
           <p:cNvSpPr>
             <a:spLocks noGrp="1"/>
           </p:cNvSpPr>
@@ -973,15 +854,15 @@
         </p:nvSpPr>
         <p:spPr>
           <a:xfrm>
-            <a:off x="831850" y="1709738"/>
-            <a:ext cx="10515600" cy="2852737"/>
+            <a:off x="499110" y="1823722"/>
+            <a:ext cx="6309360" cy="3042919"/>
           </a:xfrm>
         </p:spPr>
         <p:txBody>
           <a:bodyPr anchor="b"/>
           <a:lstStyle>
             <a:lvl1pPr>
-              <a:defRPr sz="6000"/>
+              <a:defRPr sz="4800"/>
             </a:lvl1pPr>
           </a:lstStyle>
           <a:p>
@@ -989,18 +870,13 @@
               <a:rPr lang="en-US"/>
               <a:t>Click to edit Master title style</a:t>
             </a:r>
-          </a:p>
-        </p:txBody>
-      </p:sp>
-      <p:sp>
-        <p:nvSpPr>
-          <p:cNvPr id="3" name="Text Placeholder 2">
-            <a:extLst>
-              <a:ext uri="{FF2B5EF4-FFF2-40B4-BE49-F238E27FC236}">
-                <a16:creationId xmlns:a16="http://schemas.microsoft.com/office/drawing/2014/main" id="{A1A31E96-04D0-C251-925A-32000C3DD8E4}"/>
-              </a:ext>
-            </a:extLst>
-          </p:cNvPr>
+            <a:endParaRPr lang="en-US" dirty="0"/>
+          </a:p>
+        </p:txBody>
+      </p:sp>
+      <p:sp>
+        <p:nvSpPr>
+          <p:cNvPr id="3" name="Text Placeholder 2"/>
           <p:cNvSpPr>
             <a:spLocks noGrp="1"/>
           </p:cNvSpPr>
@@ -1010,8 +886,8 @@
         </p:nvSpPr>
         <p:spPr>
           <a:xfrm>
-            <a:off x="831850" y="4589463"/>
-            <a:ext cx="10515600" cy="1500187"/>
+            <a:off x="499110" y="4895429"/>
+            <a:ext cx="6309360" cy="1600199"/>
           </a:xfrm>
         </p:spPr>
         <p:txBody>
@@ -1019,7 +895,7 @@
           <a:lstStyle>
             <a:lvl1pPr marL="0" indent="0">
               <a:buNone/>
-              <a:defRPr sz="2400">
+              <a:defRPr sz="1920">
                 <a:solidFill>
                   <a:schemeClr val="tx1">
                     <a:tint val="82000"/>
@@ -1027,9 +903,9 @@
                 </a:solidFill>
               </a:defRPr>
             </a:lvl1pPr>
-            <a:lvl2pPr marL="457200" indent="0">
-              <a:buNone/>
-              <a:defRPr sz="2000">
+            <a:lvl2pPr marL="365760" indent="0">
+              <a:buNone/>
+              <a:defRPr sz="1600">
                 <a:solidFill>
                   <a:schemeClr val="tx1">
                     <a:tint val="82000"/>
@@ -1037,9 +913,9 @@
                 </a:solidFill>
               </a:defRPr>
             </a:lvl2pPr>
-            <a:lvl3pPr marL="914400" indent="0">
-              <a:buNone/>
-              <a:defRPr sz="1800">
+            <a:lvl3pPr marL="731520" indent="0">
+              <a:buNone/>
+              <a:defRPr sz="1440">
                 <a:solidFill>
                   <a:schemeClr val="tx1">
                     <a:tint val="82000"/>
@@ -1047,9 +923,9 @@
                 </a:solidFill>
               </a:defRPr>
             </a:lvl3pPr>
-            <a:lvl4pPr marL="1371600" indent="0">
-              <a:buNone/>
-              <a:defRPr sz="1600">
+            <a:lvl4pPr marL="1097280" indent="0">
+              <a:buNone/>
+              <a:defRPr sz="1280">
                 <a:solidFill>
                   <a:schemeClr val="tx1">
                     <a:tint val="82000"/>
@@ -1057,9 +933,9 @@
                 </a:solidFill>
               </a:defRPr>
             </a:lvl4pPr>
-            <a:lvl5pPr marL="1828800" indent="0">
-              <a:buNone/>
-              <a:defRPr sz="1600">
+            <a:lvl5pPr marL="1463040" indent="0">
+              <a:buNone/>
+              <a:defRPr sz="1280">
                 <a:solidFill>
                   <a:schemeClr val="tx1">
                     <a:tint val="82000"/>
@@ -1067,9 +943,9 @@
                 </a:solidFill>
               </a:defRPr>
             </a:lvl5pPr>
-            <a:lvl6pPr marL="2286000" indent="0">
-              <a:buNone/>
-              <a:defRPr sz="1600">
+            <a:lvl6pPr marL="1828800" indent="0">
+              <a:buNone/>
+              <a:defRPr sz="1280">
                 <a:solidFill>
                   <a:schemeClr val="tx1">
                     <a:tint val="82000"/>
@@ -1077,9 +953,9 @@
                 </a:solidFill>
               </a:defRPr>
             </a:lvl6pPr>
-            <a:lvl7pPr marL="2743200" indent="0">
-              <a:buNone/>
-              <a:defRPr sz="1600">
+            <a:lvl7pPr marL="2194560" indent="0">
+              <a:buNone/>
+              <a:defRPr sz="1280">
                 <a:solidFill>
                   <a:schemeClr val="tx1">
                     <a:tint val="82000"/>
@@ -1087,9 +963,9 @@
                 </a:solidFill>
               </a:defRPr>
             </a:lvl7pPr>
-            <a:lvl8pPr marL="3200400" indent="0">
-              <a:buNone/>
-              <a:defRPr sz="1600">
+            <a:lvl8pPr marL="2560320" indent="0">
+              <a:buNone/>
+              <a:defRPr sz="1280">
                 <a:solidFill>
                   <a:schemeClr val="tx1">
                     <a:tint val="82000"/>
@@ -1097,9 +973,9 @@
                 </a:solidFill>
               </a:defRPr>
             </a:lvl8pPr>
-            <a:lvl9pPr marL="3657600" indent="0">
-              <a:buNone/>
-              <a:defRPr sz="1600">
+            <a:lvl9pPr marL="2926080" indent="0">
+              <a:buNone/>
+              <a:defRPr sz="1280">
                 <a:solidFill>
                   <a:schemeClr val="tx1">
                     <a:tint val="82000"/>
@@ -1119,13 +995,7 @@
       </p:sp>
       <p:sp>
         <p:nvSpPr>
-          <p:cNvPr id="4" name="Date Placeholder 3">
-            <a:extLst>
-              <a:ext uri="{FF2B5EF4-FFF2-40B4-BE49-F238E27FC236}">
-                <a16:creationId xmlns:a16="http://schemas.microsoft.com/office/drawing/2014/main" id="{1F603786-7DE6-F90E-44DA-EF9F9347992F}"/>
-              </a:ext>
-            </a:extLst>
-          </p:cNvPr>
+          <p:cNvPr id="4" name="Date Placeholder 3"/>
           <p:cNvSpPr>
             <a:spLocks noGrp="1"/>
           </p:cNvSpPr>
@@ -1140,7 +1010,7 @@
           <a:p>
             <a:fld id="{42BCDED8-1B3A-4635-AEC7-1D0A7E84F724}" type="datetimeFigureOut">
               <a:rPr lang="en-US" smtClean="0"/>
-              <a:t>2/28/2025</a:t>
+              <a:t>3/3/2025</a:t>
             </a:fld>
             <a:endParaRPr lang="en-US"/>
           </a:p>
@@ -1148,13 +1018,7 @@
       </p:sp>
       <p:sp>
         <p:nvSpPr>
-          <p:cNvPr id="5" name="Footer Placeholder 4">
-            <a:extLst>
-              <a:ext uri="{FF2B5EF4-FFF2-40B4-BE49-F238E27FC236}">
-                <a16:creationId xmlns:a16="http://schemas.microsoft.com/office/drawing/2014/main" id="{F05B0337-34FD-0873-407B-1966A3B34E63}"/>
-              </a:ext>
-            </a:extLst>
-          </p:cNvPr>
+          <p:cNvPr id="5" name="Footer Placeholder 4"/>
           <p:cNvSpPr>
             <a:spLocks noGrp="1"/>
           </p:cNvSpPr>
@@ -1173,13 +1037,7 @@
       </p:sp>
       <p:sp>
         <p:nvSpPr>
-          <p:cNvPr id="6" name="Slide Number Placeholder 5">
-            <a:extLst>
-              <a:ext uri="{FF2B5EF4-FFF2-40B4-BE49-F238E27FC236}">
-                <a16:creationId xmlns:a16="http://schemas.microsoft.com/office/drawing/2014/main" id="{DA9B58ED-2847-8920-E0BA-EC85F7494768}"/>
-              </a:ext>
-            </a:extLst>
-          </p:cNvPr>
+          <p:cNvPr id="6" name="Slide Number Placeholder 5"/>
           <p:cNvSpPr>
             <a:spLocks noGrp="1"/>
           </p:cNvSpPr>
@@ -1203,7 +1061,7 @@
     </p:spTree>
     <p:extLst>
       <p:ext uri="{BB962C8B-B14F-4D97-AF65-F5344CB8AC3E}">
-        <p14:creationId xmlns:p14="http://schemas.microsoft.com/office/powerpoint/2010/main" val="2266485202"/>
+        <p14:creationId xmlns:p14="http://schemas.microsoft.com/office/powerpoint/2010/main" val="40934186"/>
       </p:ext>
     </p:extLst>
   </p:cSld>
@@ -1232,13 +1090,7 @@
       </p:grpSpPr>
       <p:sp>
         <p:nvSpPr>
-          <p:cNvPr id="2" name="Title 1">
-            <a:extLst>
-              <a:ext uri="{FF2B5EF4-FFF2-40B4-BE49-F238E27FC236}">
-                <a16:creationId xmlns:a16="http://schemas.microsoft.com/office/drawing/2014/main" id="{82503836-CF20-AEE4-CEB4-97F245A23BD5}"/>
-              </a:ext>
-            </a:extLst>
-          </p:cNvPr>
+          <p:cNvPr id="2" name="Title 1"/>
           <p:cNvSpPr>
             <a:spLocks noGrp="1"/>
           </p:cNvSpPr>
@@ -1255,18 +1107,13 @@
               <a:rPr lang="en-US"/>
               <a:t>Click to edit Master title style</a:t>
             </a:r>
-          </a:p>
-        </p:txBody>
-      </p:sp>
-      <p:sp>
-        <p:nvSpPr>
-          <p:cNvPr id="3" name="Content Placeholder 2">
-            <a:extLst>
-              <a:ext uri="{FF2B5EF4-FFF2-40B4-BE49-F238E27FC236}">
-                <a16:creationId xmlns:a16="http://schemas.microsoft.com/office/drawing/2014/main" id="{0FB5F531-29A0-9F3B-3B54-000CD19B0721}"/>
-              </a:ext>
-            </a:extLst>
-          </p:cNvPr>
+            <a:endParaRPr lang="en-US" dirty="0"/>
+          </a:p>
+        </p:txBody>
+      </p:sp>
+      <p:sp>
+        <p:nvSpPr>
+          <p:cNvPr id="3" name="Content Placeholder 2"/>
           <p:cNvSpPr>
             <a:spLocks noGrp="1"/>
           </p:cNvSpPr>
@@ -1276,8 +1123,8 @@
         </p:nvSpPr>
         <p:spPr>
           <a:xfrm>
-            <a:off x="838200" y="1825625"/>
-            <a:ext cx="5181600" cy="4351338"/>
+            <a:off x="502920" y="1947333"/>
+            <a:ext cx="3108960" cy="4641427"/>
           </a:xfrm>
         </p:spPr>
         <p:txBody>
@@ -1317,18 +1164,13 @@
               <a:rPr lang="en-US"/>
               <a:t>Fifth level</a:t>
             </a:r>
-          </a:p>
-        </p:txBody>
-      </p:sp>
-      <p:sp>
-        <p:nvSpPr>
-          <p:cNvPr id="4" name="Content Placeholder 3">
-            <a:extLst>
-              <a:ext uri="{FF2B5EF4-FFF2-40B4-BE49-F238E27FC236}">
-                <a16:creationId xmlns:a16="http://schemas.microsoft.com/office/drawing/2014/main" id="{5EAD4FEF-1914-F099-0DE6-FCEEFDF5384E}"/>
-              </a:ext>
-            </a:extLst>
-          </p:cNvPr>
+            <a:endParaRPr lang="en-US" dirty="0"/>
+          </a:p>
+        </p:txBody>
+      </p:sp>
+      <p:sp>
+        <p:nvSpPr>
+          <p:cNvPr id="4" name="Content Placeholder 3"/>
           <p:cNvSpPr>
             <a:spLocks noGrp="1"/>
           </p:cNvSpPr>
@@ -1338,8 +1180,8 @@
         </p:nvSpPr>
         <p:spPr>
           <a:xfrm>
-            <a:off x="6172200" y="1825625"/>
-            <a:ext cx="5181600" cy="4351338"/>
+            <a:off x="3703320" y="1947333"/>
+            <a:ext cx="3108960" cy="4641427"/>
           </a:xfrm>
         </p:spPr>
         <p:txBody>
@@ -1379,18 +1221,13 @@
               <a:rPr lang="en-US"/>
               <a:t>Fifth level</a:t>
             </a:r>
-          </a:p>
-        </p:txBody>
-      </p:sp>
-      <p:sp>
-        <p:nvSpPr>
-          <p:cNvPr id="5" name="Date Placeholder 4">
-            <a:extLst>
-              <a:ext uri="{FF2B5EF4-FFF2-40B4-BE49-F238E27FC236}">
-                <a16:creationId xmlns:a16="http://schemas.microsoft.com/office/drawing/2014/main" id="{066F0CDE-231E-27D8-FDE4-17F266DC7E6F}"/>
-              </a:ext>
-            </a:extLst>
-          </p:cNvPr>
+            <a:endParaRPr lang="en-US" dirty="0"/>
+          </a:p>
+        </p:txBody>
+      </p:sp>
+      <p:sp>
+        <p:nvSpPr>
+          <p:cNvPr id="5" name="Date Placeholder 4"/>
           <p:cNvSpPr>
             <a:spLocks noGrp="1"/>
           </p:cNvSpPr>
@@ -1405,7 +1242,7 @@
           <a:p>
             <a:fld id="{42BCDED8-1B3A-4635-AEC7-1D0A7E84F724}" type="datetimeFigureOut">
               <a:rPr lang="en-US" smtClean="0"/>
-              <a:t>2/28/2025</a:t>
+              <a:t>3/3/2025</a:t>
             </a:fld>
             <a:endParaRPr lang="en-US"/>
           </a:p>
@@ -1413,13 +1250,7 @@
       </p:sp>
       <p:sp>
         <p:nvSpPr>
-          <p:cNvPr id="6" name="Footer Placeholder 5">
-            <a:extLst>
-              <a:ext uri="{FF2B5EF4-FFF2-40B4-BE49-F238E27FC236}">
-                <a16:creationId xmlns:a16="http://schemas.microsoft.com/office/drawing/2014/main" id="{FFDB11A3-E47E-391B-5C18-1E1197092470}"/>
-              </a:ext>
-            </a:extLst>
-          </p:cNvPr>
+          <p:cNvPr id="6" name="Footer Placeholder 5"/>
           <p:cNvSpPr>
             <a:spLocks noGrp="1"/>
           </p:cNvSpPr>
@@ -1438,13 +1269,7 @@
       </p:sp>
       <p:sp>
         <p:nvSpPr>
-          <p:cNvPr id="7" name="Slide Number Placeholder 6">
-            <a:extLst>
-              <a:ext uri="{FF2B5EF4-FFF2-40B4-BE49-F238E27FC236}">
-                <a16:creationId xmlns:a16="http://schemas.microsoft.com/office/drawing/2014/main" id="{E4104F9E-B041-BBC1-3687-F220E33A8896}"/>
-              </a:ext>
-            </a:extLst>
-          </p:cNvPr>
+          <p:cNvPr id="7" name="Slide Number Placeholder 6"/>
           <p:cNvSpPr>
             <a:spLocks noGrp="1"/>
           </p:cNvSpPr>
@@ -1468,7 +1293,7 @@
     </p:spTree>
     <p:extLst>
       <p:ext uri="{BB962C8B-B14F-4D97-AF65-F5344CB8AC3E}">
-        <p14:creationId xmlns:p14="http://schemas.microsoft.com/office/powerpoint/2010/main" val="3866291952"/>
+        <p14:creationId xmlns:p14="http://schemas.microsoft.com/office/powerpoint/2010/main" val="897649475"/>
       </p:ext>
     </p:extLst>
   </p:cSld>
@@ -1497,13 +1322,7 @@
       </p:grpSpPr>
       <p:sp>
         <p:nvSpPr>
-          <p:cNvPr id="2" name="Title 1">
-            <a:extLst>
-              <a:ext uri="{FF2B5EF4-FFF2-40B4-BE49-F238E27FC236}">
-                <a16:creationId xmlns:a16="http://schemas.microsoft.com/office/drawing/2014/main" id="{39AD74F6-C529-8062-C352-AEF89B6C6E45}"/>
-              </a:ext>
-            </a:extLst>
-          </p:cNvPr>
+          <p:cNvPr id="2" name="Title 1"/>
           <p:cNvSpPr>
             <a:spLocks noGrp="1"/>
           </p:cNvSpPr>
@@ -1513,8 +1332,8 @@
         </p:nvSpPr>
         <p:spPr>
           <a:xfrm>
-            <a:off x="839788" y="365125"/>
-            <a:ext cx="10515600" cy="1325563"/>
+            <a:off x="503873" y="389468"/>
+            <a:ext cx="6309360" cy="1413934"/>
           </a:xfrm>
         </p:spPr>
         <p:txBody>
@@ -1525,18 +1344,13 @@
               <a:rPr lang="en-US"/>
               <a:t>Click to edit Master title style</a:t>
             </a:r>
-          </a:p>
-        </p:txBody>
-      </p:sp>
-      <p:sp>
-        <p:nvSpPr>
-          <p:cNvPr id="3" name="Text Placeholder 2">
-            <a:extLst>
-              <a:ext uri="{FF2B5EF4-FFF2-40B4-BE49-F238E27FC236}">
-                <a16:creationId xmlns:a16="http://schemas.microsoft.com/office/drawing/2014/main" id="{4BE47F44-AD8B-670F-794B-FFC662DE3E5F}"/>
-              </a:ext>
-            </a:extLst>
-          </p:cNvPr>
+            <a:endParaRPr lang="en-US" dirty="0"/>
+          </a:p>
+        </p:txBody>
+      </p:sp>
+      <p:sp>
+        <p:nvSpPr>
+          <p:cNvPr id="3" name="Text Placeholder 2"/>
           <p:cNvSpPr>
             <a:spLocks noGrp="1"/>
           </p:cNvSpPr>
@@ -1546,8 +1360,8 @@
         </p:nvSpPr>
         <p:spPr>
           <a:xfrm>
-            <a:off x="839788" y="1681163"/>
-            <a:ext cx="5157787" cy="823912"/>
+            <a:off x="503874" y="1793241"/>
+            <a:ext cx="3094672" cy="878839"/>
           </a:xfrm>
         </p:spPr>
         <p:txBody>
@@ -1555,39 +1369,39 @@
           <a:lstStyle>
             <a:lvl1pPr marL="0" indent="0">
               <a:buNone/>
-              <a:defRPr sz="2400" b="1"/>
+              <a:defRPr sz="1920" b="1"/>
             </a:lvl1pPr>
-            <a:lvl2pPr marL="457200" indent="0">
-              <a:buNone/>
-              <a:defRPr sz="2000" b="1"/>
+            <a:lvl2pPr marL="365760" indent="0">
+              <a:buNone/>
+              <a:defRPr sz="1600" b="1"/>
             </a:lvl2pPr>
-            <a:lvl3pPr marL="914400" indent="0">
-              <a:buNone/>
-              <a:defRPr sz="1800" b="1"/>
+            <a:lvl3pPr marL="731520" indent="0">
+              <a:buNone/>
+              <a:defRPr sz="1440" b="1"/>
             </a:lvl3pPr>
-            <a:lvl4pPr marL="1371600" indent="0">
-              <a:buNone/>
-              <a:defRPr sz="1600" b="1"/>
+            <a:lvl4pPr marL="1097280" indent="0">
+              <a:buNone/>
+              <a:defRPr sz="1280" b="1"/>
             </a:lvl4pPr>
-            <a:lvl5pPr marL="1828800" indent="0">
-              <a:buNone/>
-              <a:defRPr sz="1600" b="1"/>
+            <a:lvl5pPr marL="1463040" indent="0">
+              <a:buNone/>
+              <a:defRPr sz="1280" b="1"/>
             </a:lvl5pPr>
-            <a:lvl6pPr marL="2286000" indent="0">
-              <a:buNone/>
-              <a:defRPr sz="1600" b="1"/>
+            <a:lvl6pPr marL="1828800" indent="0">
+              <a:buNone/>
+              <a:defRPr sz="1280" b="1"/>
             </a:lvl6pPr>
-            <a:lvl7pPr marL="2743200" indent="0">
-              <a:buNone/>
-              <a:defRPr sz="1600" b="1"/>
+            <a:lvl7pPr marL="2194560" indent="0">
+              <a:buNone/>
+              <a:defRPr sz="1280" b="1"/>
             </a:lvl7pPr>
-            <a:lvl8pPr marL="3200400" indent="0">
-              <a:buNone/>
-              <a:defRPr sz="1600" b="1"/>
+            <a:lvl8pPr marL="2560320" indent="0">
+              <a:buNone/>
+              <a:defRPr sz="1280" b="1"/>
             </a:lvl8pPr>
-            <a:lvl9pPr marL="3657600" indent="0">
-              <a:buNone/>
-              <a:defRPr sz="1600" b="1"/>
+            <a:lvl9pPr marL="2926080" indent="0">
+              <a:buNone/>
+              <a:defRPr sz="1280" b="1"/>
             </a:lvl9pPr>
           </a:lstStyle>
           <a:p>
@@ -1601,13 +1415,7 @@
       </p:sp>
       <p:sp>
         <p:nvSpPr>
-          <p:cNvPr id="4" name="Content Placeholder 3">
-            <a:extLst>
-              <a:ext uri="{FF2B5EF4-FFF2-40B4-BE49-F238E27FC236}">
-                <a16:creationId xmlns:a16="http://schemas.microsoft.com/office/drawing/2014/main" id="{6A8FBB65-7606-0541-E4CC-DD1D36CC9352}"/>
-              </a:ext>
-            </a:extLst>
-          </p:cNvPr>
+          <p:cNvPr id="4" name="Content Placeholder 3"/>
           <p:cNvSpPr>
             <a:spLocks noGrp="1"/>
           </p:cNvSpPr>
@@ -1617,8 +1425,8 @@
         </p:nvSpPr>
         <p:spPr>
           <a:xfrm>
-            <a:off x="839788" y="2505075"/>
-            <a:ext cx="5157787" cy="3684588"/>
+            <a:off x="503874" y="2672080"/>
+            <a:ext cx="3094672" cy="3930227"/>
           </a:xfrm>
         </p:spPr>
         <p:txBody>
@@ -1658,18 +1466,13 @@
               <a:rPr lang="en-US"/>
               <a:t>Fifth level</a:t>
             </a:r>
-          </a:p>
-        </p:txBody>
-      </p:sp>
-      <p:sp>
-        <p:nvSpPr>
-          <p:cNvPr id="5" name="Text Placeholder 4">
-            <a:extLst>
-              <a:ext uri="{FF2B5EF4-FFF2-40B4-BE49-F238E27FC236}">
-                <a16:creationId xmlns:a16="http://schemas.microsoft.com/office/drawing/2014/main" id="{8BA4AE7F-049C-A942-9D40-0CBEC23AD8CD}"/>
-              </a:ext>
-            </a:extLst>
-          </p:cNvPr>
+            <a:endParaRPr lang="en-US" dirty="0"/>
+          </a:p>
+        </p:txBody>
+      </p:sp>
+      <p:sp>
+        <p:nvSpPr>
+          <p:cNvPr id="5" name="Text Placeholder 4"/>
           <p:cNvSpPr>
             <a:spLocks noGrp="1"/>
           </p:cNvSpPr>
@@ -1679,8 +1482,8 @@
         </p:nvSpPr>
         <p:spPr>
           <a:xfrm>
-            <a:off x="6172200" y="1681163"/>
-            <a:ext cx="5183188" cy="823912"/>
+            <a:off x="3703320" y="1793241"/>
+            <a:ext cx="3109913" cy="878839"/>
           </a:xfrm>
         </p:spPr>
         <p:txBody>
@@ -1688,39 +1491,39 @@
           <a:lstStyle>
             <a:lvl1pPr marL="0" indent="0">
               <a:buNone/>
-              <a:defRPr sz="2400" b="1"/>
+              <a:defRPr sz="1920" b="1"/>
             </a:lvl1pPr>
-            <a:lvl2pPr marL="457200" indent="0">
-              <a:buNone/>
-              <a:defRPr sz="2000" b="1"/>
+            <a:lvl2pPr marL="365760" indent="0">
+              <a:buNone/>
+              <a:defRPr sz="1600" b="1"/>
             </a:lvl2pPr>
-            <a:lvl3pPr marL="914400" indent="0">
-              <a:buNone/>
-              <a:defRPr sz="1800" b="1"/>
+            <a:lvl3pPr marL="731520" indent="0">
+              <a:buNone/>
+              <a:defRPr sz="1440" b="1"/>
             </a:lvl3pPr>
-            <a:lvl4pPr marL="1371600" indent="0">
-              <a:buNone/>
-              <a:defRPr sz="1600" b="1"/>
+            <a:lvl4pPr marL="1097280" indent="0">
+              <a:buNone/>
+              <a:defRPr sz="1280" b="1"/>
             </a:lvl4pPr>
-            <a:lvl5pPr marL="1828800" indent="0">
-              <a:buNone/>
-              <a:defRPr sz="1600" b="1"/>
+            <a:lvl5pPr marL="1463040" indent="0">
+              <a:buNone/>
+              <a:defRPr sz="1280" b="1"/>
             </a:lvl5pPr>
-            <a:lvl6pPr marL="2286000" indent="0">
-              <a:buNone/>
-              <a:defRPr sz="1600" b="1"/>
+            <a:lvl6pPr marL="1828800" indent="0">
+              <a:buNone/>
+              <a:defRPr sz="1280" b="1"/>
             </a:lvl6pPr>
-            <a:lvl7pPr marL="2743200" indent="0">
-              <a:buNone/>
-              <a:defRPr sz="1600" b="1"/>
+            <a:lvl7pPr marL="2194560" indent="0">
+              <a:buNone/>
+              <a:defRPr sz="1280" b="1"/>
             </a:lvl7pPr>
-            <a:lvl8pPr marL="3200400" indent="0">
-              <a:buNone/>
-              <a:defRPr sz="1600" b="1"/>
+            <a:lvl8pPr marL="2560320" indent="0">
+              <a:buNone/>
+              <a:defRPr sz="1280" b="1"/>
             </a:lvl8pPr>
-            <a:lvl9pPr marL="3657600" indent="0">
-              <a:buNone/>
-              <a:defRPr sz="1600" b="1"/>
+            <a:lvl9pPr marL="2926080" indent="0">
+              <a:buNone/>
+              <a:defRPr sz="1280" b="1"/>
             </a:lvl9pPr>
           </a:lstStyle>
           <a:p>
@@ -1734,13 +1537,7 @@
       </p:sp>
       <p:sp>
         <p:nvSpPr>
-          <p:cNvPr id="6" name="Content Placeholder 5">
-            <a:extLst>
-              <a:ext uri="{FF2B5EF4-FFF2-40B4-BE49-F238E27FC236}">
-                <a16:creationId xmlns:a16="http://schemas.microsoft.com/office/drawing/2014/main" id="{309EA2A1-F62C-092D-EE1C-843B875A9EA3}"/>
-              </a:ext>
-            </a:extLst>
-          </p:cNvPr>
+          <p:cNvPr id="6" name="Content Placeholder 5"/>
           <p:cNvSpPr>
             <a:spLocks noGrp="1"/>
           </p:cNvSpPr>
@@ -1750,8 +1547,8 @@
         </p:nvSpPr>
         <p:spPr>
           <a:xfrm>
-            <a:off x="6172200" y="2505075"/>
-            <a:ext cx="5183188" cy="3684588"/>
+            <a:off x="3703320" y="2672080"/>
+            <a:ext cx="3109913" cy="3930227"/>
           </a:xfrm>
         </p:spPr>
         <p:txBody>
@@ -1791,18 +1588,13 @@
               <a:rPr lang="en-US"/>
               <a:t>Fifth level</a:t>
             </a:r>
-          </a:p>
-        </p:txBody>
-      </p:sp>
-      <p:sp>
-        <p:nvSpPr>
-          <p:cNvPr id="7" name="Date Placeholder 6">
-            <a:extLst>
-              <a:ext uri="{FF2B5EF4-FFF2-40B4-BE49-F238E27FC236}">
-                <a16:creationId xmlns:a16="http://schemas.microsoft.com/office/drawing/2014/main" id="{7201DBC3-479A-85D1-2262-1105420D4919}"/>
-              </a:ext>
-            </a:extLst>
-          </p:cNvPr>
+            <a:endParaRPr lang="en-US" dirty="0"/>
+          </a:p>
+        </p:txBody>
+      </p:sp>
+      <p:sp>
+        <p:nvSpPr>
+          <p:cNvPr id="7" name="Date Placeholder 6"/>
           <p:cNvSpPr>
             <a:spLocks noGrp="1"/>
           </p:cNvSpPr>
@@ -1817,7 +1609,7 @@
           <a:p>
             <a:fld id="{42BCDED8-1B3A-4635-AEC7-1D0A7E84F724}" type="datetimeFigureOut">
               <a:rPr lang="en-US" smtClean="0"/>
-              <a:t>2/28/2025</a:t>
+              <a:t>3/3/2025</a:t>
             </a:fld>
             <a:endParaRPr lang="en-US"/>
           </a:p>
@@ -1825,13 +1617,7 @@
       </p:sp>
       <p:sp>
         <p:nvSpPr>
-          <p:cNvPr id="8" name="Footer Placeholder 7">
-            <a:extLst>
-              <a:ext uri="{FF2B5EF4-FFF2-40B4-BE49-F238E27FC236}">
-                <a16:creationId xmlns:a16="http://schemas.microsoft.com/office/drawing/2014/main" id="{C693ACDA-E594-14FE-2BA7-906126450D6C}"/>
-              </a:ext>
-            </a:extLst>
-          </p:cNvPr>
+          <p:cNvPr id="8" name="Footer Placeholder 7"/>
           <p:cNvSpPr>
             <a:spLocks noGrp="1"/>
           </p:cNvSpPr>
@@ -1850,13 +1636,7 @@
       </p:sp>
       <p:sp>
         <p:nvSpPr>
-          <p:cNvPr id="9" name="Slide Number Placeholder 8">
-            <a:extLst>
-              <a:ext uri="{FF2B5EF4-FFF2-40B4-BE49-F238E27FC236}">
-                <a16:creationId xmlns:a16="http://schemas.microsoft.com/office/drawing/2014/main" id="{8A04A90C-6297-2A32-A88D-85EB8E58652C}"/>
-              </a:ext>
-            </a:extLst>
-          </p:cNvPr>
+          <p:cNvPr id="9" name="Slide Number Placeholder 8"/>
           <p:cNvSpPr>
             <a:spLocks noGrp="1"/>
           </p:cNvSpPr>
@@ -1880,7 +1660,7 @@
     </p:spTree>
     <p:extLst>
       <p:ext uri="{BB962C8B-B14F-4D97-AF65-F5344CB8AC3E}">
-        <p14:creationId xmlns:p14="http://schemas.microsoft.com/office/powerpoint/2010/main" val="393166333"/>
+        <p14:creationId xmlns:p14="http://schemas.microsoft.com/office/powerpoint/2010/main" val="1023524213"/>
       </p:ext>
     </p:extLst>
   </p:cSld>
@@ -1909,13 +1689,7 @@
       </p:grpSpPr>
       <p:sp>
         <p:nvSpPr>
-          <p:cNvPr id="2" name="Title 1">
-            <a:extLst>
-              <a:ext uri="{FF2B5EF4-FFF2-40B4-BE49-F238E27FC236}">
-                <a16:creationId xmlns:a16="http://schemas.microsoft.com/office/drawing/2014/main" id="{006842AA-7754-362C-3C20-C51971F46B5F}"/>
-              </a:ext>
-            </a:extLst>
-          </p:cNvPr>
+          <p:cNvPr id="2" name="Title 1"/>
           <p:cNvSpPr>
             <a:spLocks noGrp="1"/>
           </p:cNvSpPr>
@@ -1932,18 +1706,13 @@
               <a:rPr lang="en-US"/>
               <a:t>Click to edit Master title style</a:t>
             </a:r>
-          </a:p>
-        </p:txBody>
-      </p:sp>
-      <p:sp>
-        <p:nvSpPr>
-          <p:cNvPr id="3" name="Date Placeholder 2">
-            <a:extLst>
-              <a:ext uri="{FF2B5EF4-FFF2-40B4-BE49-F238E27FC236}">
-                <a16:creationId xmlns:a16="http://schemas.microsoft.com/office/drawing/2014/main" id="{03909D78-F01A-EAF3-E521-CCDBC9D09E56}"/>
-              </a:ext>
-            </a:extLst>
-          </p:cNvPr>
+            <a:endParaRPr lang="en-US" dirty="0"/>
+          </a:p>
+        </p:txBody>
+      </p:sp>
+      <p:sp>
+        <p:nvSpPr>
+          <p:cNvPr id="3" name="Date Placeholder 2"/>
           <p:cNvSpPr>
             <a:spLocks noGrp="1"/>
           </p:cNvSpPr>
@@ -1958,7 +1727,7 @@
           <a:p>
             <a:fld id="{42BCDED8-1B3A-4635-AEC7-1D0A7E84F724}" type="datetimeFigureOut">
               <a:rPr lang="en-US" smtClean="0"/>
-              <a:t>2/28/2025</a:t>
+              <a:t>3/3/2025</a:t>
             </a:fld>
             <a:endParaRPr lang="en-US"/>
           </a:p>
@@ -1966,13 +1735,7 @@
       </p:sp>
       <p:sp>
         <p:nvSpPr>
-          <p:cNvPr id="4" name="Footer Placeholder 3">
-            <a:extLst>
-              <a:ext uri="{FF2B5EF4-FFF2-40B4-BE49-F238E27FC236}">
-                <a16:creationId xmlns:a16="http://schemas.microsoft.com/office/drawing/2014/main" id="{7613A820-5D26-A490-C031-D494E3E568CB}"/>
-              </a:ext>
-            </a:extLst>
-          </p:cNvPr>
+          <p:cNvPr id="4" name="Footer Placeholder 3"/>
           <p:cNvSpPr>
             <a:spLocks noGrp="1"/>
           </p:cNvSpPr>
@@ -1991,13 +1754,7 @@
       </p:sp>
       <p:sp>
         <p:nvSpPr>
-          <p:cNvPr id="5" name="Slide Number Placeholder 4">
-            <a:extLst>
-              <a:ext uri="{FF2B5EF4-FFF2-40B4-BE49-F238E27FC236}">
-                <a16:creationId xmlns:a16="http://schemas.microsoft.com/office/drawing/2014/main" id="{BDC356B5-9B33-218E-5297-A1F22F316077}"/>
-              </a:ext>
-            </a:extLst>
-          </p:cNvPr>
+          <p:cNvPr id="5" name="Slide Number Placeholder 4"/>
           <p:cNvSpPr>
             <a:spLocks noGrp="1"/>
           </p:cNvSpPr>
@@ -2021,7 +1778,7 @@
     </p:spTree>
     <p:extLst>
       <p:ext uri="{BB962C8B-B14F-4D97-AF65-F5344CB8AC3E}">
-        <p14:creationId xmlns:p14="http://schemas.microsoft.com/office/powerpoint/2010/main" val="2488473892"/>
+        <p14:creationId xmlns:p14="http://schemas.microsoft.com/office/powerpoint/2010/main" val="2764449342"/>
       </p:ext>
     </p:extLst>
   </p:cSld>
@@ -2050,13 +1807,7 @@
       </p:grpSpPr>
       <p:sp>
         <p:nvSpPr>
-          <p:cNvPr id="2" name="Date Placeholder 1">
-            <a:extLst>
-              <a:ext uri="{FF2B5EF4-FFF2-40B4-BE49-F238E27FC236}">
-                <a16:creationId xmlns:a16="http://schemas.microsoft.com/office/drawing/2014/main" id="{8828270F-CEA2-653F-2684-F207976D12CB}"/>
-              </a:ext>
-            </a:extLst>
-          </p:cNvPr>
+          <p:cNvPr id="2" name="Date Placeholder 1"/>
           <p:cNvSpPr>
             <a:spLocks noGrp="1"/>
           </p:cNvSpPr>
@@ -2071,7 +1822,7 @@
           <a:p>
             <a:fld id="{42BCDED8-1B3A-4635-AEC7-1D0A7E84F724}" type="datetimeFigureOut">
               <a:rPr lang="en-US" smtClean="0"/>
-              <a:t>2/28/2025</a:t>
+              <a:t>3/3/2025</a:t>
             </a:fld>
             <a:endParaRPr lang="en-US"/>
           </a:p>
@@ -2079,13 +1830,7 @@
       </p:sp>
       <p:sp>
         <p:nvSpPr>
-          <p:cNvPr id="3" name="Footer Placeholder 2">
-            <a:extLst>
-              <a:ext uri="{FF2B5EF4-FFF2-40B4-BE49-F238E27FC236}">
-                <a16:creationId xmlns:a16="http://schemas.microsoft.com/office/drawing/2014/main" id="{B152FE35-4073-0E7A-0A49-30EB42BC704B}"/>
-              </a:ext>
-            </a:extLst>
-          </p:cNvPr>
+          <p:cNvPr id="3" name="Footer Placeholder 2"/>
           <p:cNvSpPr>
             <a:spLocks noGrp="1"/>
           </p:cNvSpPr>
@@ -2104,13 +1849,7 @@
       </p:sp>
       <p:sp>
         <p:nvSpPr>
-          <p:cNvPr id="4" name="Slide Number Placeholder 3">
-            <a:extLst>
-              <a:ext uri="{FF2B5EF4-FFF2-40B4-BE49-F238E27FC236}">
-                <a16:creationId xmlns:a16="http://schemas.microsoft.com/office/drawing/2014/main" id="{1F2F47E1-5B04-0C51-517E-C766DFF9FF62}"/>
-              </a:ext>
-            </a:extLst>
-          </p:cNvPr>
+          <p:cNvPr id="4" name="Slide Number Placeholder 3"/>
           <p:cNvSpPr>
             <a:spLocks noGrp="1"/>
           </p:cNvSpPr>
@@ -2134,7 +1873,7 @@
     </p:spTree>
     <p:extLst>
       <p:ext uri="{BB962C8B-B14F-4D97-AF65-F5344CB8AC3E}">
-        <p14:creationId xmlns:p14="http://schemas.microsoft.com/office/powerpoint/2010/main" val="2895304711"/>
+        <p14:creationId xmlns:p14="http://schemas.microsoft.com/office/powerpoint/2010/main" val="3396055309"/>
       </p:ext>
     </p:extLst>
   </p:cSld>
@@ -2163,13 +1902,7 @@
       </p:grpSpPr>
       <p:sp>
         <p:nvSpPr>
-          <p:cNvPr id="2" name="Title 1">
-            <a:extLst>
-              <a:ext uri="{FF2B5EF4-FFF2-40B4-BE49-F238E27FC236}">
-                <a16:creationId xmlns:a16="http://schemas.microsoft.com/office/drawing/2014/main" id="{86DF2BA0-153E-B3F3-218F-FBD482B1A869}"/>
-              </a:ext>
-            </a:extLst>
-          </p:cNvPr>
+          <p:cNvPr id="2" name="Title 1"/>
           <p:cNvSpPr>
             <a:spLocks noGrp="1"/>
           </p:cNvSpPr>
@@ -2179,15 +1912,15 @@
         </p:nvSpPr>
         <p:spPr>
           <a:xfrm>
-            <a:off x="839788" y="457200"/>
-            <a:ext cx="3932237" cy="1600200"/>
+            <a:off x="503873" y="487680"/>
+            <a:ext cx="2359342" cy="1706880"/>
           </a:xfrm>
         </p:spPr>
         <p:txBody>
           <a:bodyPr anchor="b"/>
           <a:lstStyle>
             <a:lvl1pPr>
-              <a:defRPr sz="3200"/>
+              <a:defRPr sz="2560"/>
             </a:lvl1pPr>
           </a:lstStyle>
           <a:p>
@@ -2195,18 +1928,13 @@
               <a:rPr lang="en-US"/>
               <a:t>Click to edit Master title style</a:t>
             </a:r>
-          </a:p>
-        </p:txBody>
-      </p:sp>
-      <p:sp>
-        <p:nvSpPr>
-          <p:cNvPr id="3" name="Content Placeholder 2">
-            <a:extLst>
-              <a:ext uri="{FF2B5EF4-FFF2-40B4-BE49-F238E27FC236}">
-                <a16:creationId xmlns:a16="http://schemas.microsoft.com/office/drawing/2014/main" id="{84C085AE-68D6-CEF7-0053-A7E605C2BC61}"/>
-              </a:ext>
-            </a:extLst>
-          </p:cNvPr>
+            <a:endParaRPr lang="en-US" dirty="0"/>
+          </a:p>
+        </p:txBody>
+      </p:sp>
+      <p:sp>
+        <p:nvSpPr>
+          <p:cNvPr id="3" name="Content Placeholder 2"/>
           <p:cNvSpPr>
             <a:spLocks noGrp="1"/>
           </p:cNvSpPr>
@@ -2216,39 +1944,39 @@
         </p:nvSpPr>
         <p:spPr>
           <a:xfrm>
-            <a:off x="5183188" y="987425"/>
-            <a:ext cx="6172200" cy="4873625"/>
+            <a:off x="3109913" y="1053255"/>
+            <a:ext cx="3703320" cy="5198533"/>
           </a:xfrm>
         </p:spPr>
         <p:txBody>
           <a:bodyPr/>
           <a:lstStyle>
             <a:lvl1pPr>
-              <a:defRPr sz="3200"/>
+              <a:defRPr sz="2560"/>
             </a:lvl1pPr>
             <a:lvl2pPr>
-              <a:defRPr sz="2800"/>
+              <a:defRPr sz="2240"/>
             </a:lvl2pPr>
             <a:lvl3pPr>
-              <a:defRPr sz="2400"/>
+              <a:defRPr sz="1920"/>
             </a:lvl3pPr>
             <a:lvl4pPr>
-              <a:defRPr sz="2000"/>
+              <a:defRPr sz="1600"/>
             </a:lvl4pPr>
             <a:lvl5pPr>
-              <a:defRPr sz="2000"/>
+              <a:defRPr sz="1600"/>
             </a:lvl5pPr>
             <a:lvl6pPr>
-              <a:defRPr sz="2000"/>
+              <a:defRPr sz="1600"/>
             </a:lvl6pPr>
             <a:lvl7pPr>
-              <a:defRPr sz="2000"/>
+              <a:defRPr sz="1600"/>
             </a:lvl7pPr>
             <a:lvl8pPr>
-              <a:defRPr sz="2000"/>
+              <a:defRPr sz="1600"/>
             </a:lvl8pPr>
             <a:lvl9pPr>
-              <a:defRPr sz="2000"/>
+              <a:defRPr sz="1600"/>
             </a:lvl9pPr>
           </a:lstStyle>
           <a:p>
@@ -2285,18 +2013,13 @@
               <a:rPr lang="en-US"/>
               <a:t>Fifth level</a:t>
             </a:r>
-          </a:p>
-        </p:txBody>
-      </p:sp>
-      <p:sp>
-        <p:nvSpPr>
-          <p:cNvPr id="4" name="Text Placeholder 3">
-            <a:extLst>
-              <a:ext uri="{FF2B5EF4-FFF2-40B4-BE49-F238E27FC236}">
-                <a16:creationId xmlns:a16="http://schemas.microsoft.com/office/drawing/2014/main" id="{98CBAAFB-0F49-8745-F520-9CED99F1F9B8}"/>
-              </a:ext>
-            </a:extLst>
-          </p:cNvPr>
+            <a:endParaRPr lang="en-US" dirty="0"/>
+          </a:p>
+        </p:txBody>
+      </p:sp>
+      <p:sp>
+        <p:nvSpPr>
+          <p:cNvPr id="4" name="Text Placeholder 3"/>
           <p:cNvSpPr>
             <a:spLocks noGrp="1"/>
           </p:cNvSpPr>
@@ -2306,8 +2029,8 @@
         </p:nvSpPr>
         <p:spPr>
           <a:xfrm>
-            <a:off x="839788" y="2057400"/>
-            <a:ext cx="3932237" cy="3811588"/>
+            <a:off x="503873" y="2194560"/>
+            <a:ext cx="2359342" cy="4065694"/>
           </a:xfrm>
         </p:spPr>
         <p:txBody>
@@ -2315,39 +2038,39 @@
           <a:lstStyle>
             <a:lvl1pPr marL="0" indent="0">
               <a:buNone/>
-              <a:defRPr sz="1600"/>
+              <a:defRPr sz="1280"/>
             </a:lvl1pPr>
-            <a:lvl2pPr marL="457200" indent="0">
-              <a:buNone/>
-              <a:defRPr sz="1400"/>
+            <a:lvl2pPr marL="365760" indent="0">
+              <a:buNone/>
+              <a:defRPr sz="1120"/>
             </a:lvl2pPr>
-            <a:lvl3pPr marL="914400" indent="0">
-              <a:buNone/>
-              <a:defRPr sz="1200"/>
+            <a:lvl3pPr marL="731520" indent="0">
+              <a:buNone/>
+              <a:defRPr sz="960"/>
             </a:lvl3pPr>
-            <a:lvl4pPr marL="1371600" indent="0">
-              <a:buNone/>
-              <a:defRPr sz="1000"/>
+            <a:lvl4pPr marL="1097280" indent="0">
+              <a:buNone/>
+              <a:defRPr sz="800"/>
             </a:lvl4pPr>
-            <a:lvl5pPr marL="1828800" indent="0">
-              <a:buNone/>
-              <a:defRPr sz="1000"/>
+            <a:lvl5pPr marL="1463040" indent="0">
+              <a:buNone/>
+              <a:defRPr sz="800"/>
             </a:lvl5pPr>
-            <a:lvl6pPr marL="2286000" indent="0">
-              <a:buNone/>
-              <a:defRPr sz="1000"/>
+            <a:lvl6pPr marL="1828800" indent="0">
+              <a:buNone/>
+              <a:defRPr sz="800"/>
             </a:lvl6pPr>
-            <a:lvl7pPr marL="2743200" indent="0">
-              <a:buNone/>
-              <a:defRPr sz="1000"/>
+            <a:lvl7pPr marL="2194560" indent="0">
+              <a:buNone/>
+              <a:defRPr sz="800"/>
             </a:lvl7pPr>
-            <a:lvl8pPr marL="3200400" indent="0">
-              <a:buNone/>
-              <a:defRPr sz="1000"/>
+            <a:lvl8pPr marL="2560320" indent="0">
+              <a:buNone/>
+              <a:defRPr sz="800"/>
             </a:lvl8pPr>
-            <a:lvl9pPr marL="3657600" indent="0">
-              <a:buNone/>
-              <a:defRPr sz="1000"/>
+            <a:lvl9pPr marL="2926080" indent="0">
+              <a:buNone/>
+              <a:defRPr sz="800"/>
             </a:lvl9pPr>
           </a:lstStyle>
           <a:p>
@@ -2361,13 +2084,7 @@
       </p:sp>
       <p:sp>
         <p:nvSpPr>
-          <p:cNvPr id="5" name="Date Placeholder 4">
-            <a:extLst>
-              <a:ext uri="{FF2B5EF4-FFF2-40B4-BE49-F238E27FC236}">
-                <a16:creationId xmlns:a16="http://schemas.microsoft.com/office/drawing/2014/main" id="{539077FA-BC71-F868-6056-678777441F4C}"/>
-              </a:ext>
-            </a:extLst>
-          </p:cNvPr>
+          <p:cNvPr id="5" name="Date Placeholder 4"/>
           <p:cNvSpPr>
             <a:spLocks noGrp="1"/>
           </p:cNvSpPr>
@@ -2382,7 +2099,7 @@
           <a:p>
             <a:fld id="{42BCDED8-1B3A-4635-AEC7-1D0A7E84F724}" type="datetimeFigureOut">
               <a:rPr lang="en-US" smtClean="0"/>
-              <a:t>2/28/2025</a:t>
+              <a:t>3/3/2025</a:t>
             </a:fld>
             <a:endParaRPr lang="en-US"/>
           </a:p>
@@ -2390,13 +2107,7 @@
       </p:sp>
       <p:sp>
         <p:nvSpPr>
-          <p:cNvPr id="6" name="Footer Placeholder 5">
-            <a:extLst>
-              <a:ext uri="{FF2B5EF4-FFF2-40B4-BE49-F238E27FC236}">
-                <a16:creationId xmlns:a16="http://schemas.microsoft.com/office/drawing/2014/main" id="{87E41EE5-7ACE-B720-B27D-40E4C4628586}"/>
-              </a:ext>
-            </a:extLst>
-          </p:cNvPr>
+          <p:cNvPr id="6" name="Footer Placeholder 5"/>
           <p:cNvSpPr>
             <a:spLocks noGrp="1"/>
           </p:cNvSpPr>
@@ -2415,13 +2126,7 @@
       </p:sp>
       <p:sp>
         <p:nvSpPr>
-          <p:cNvPr id="7" name="Slide Number Placeholder 6">
-            <a:extLst>
-              <a:ext uri="{FF2B5EF4-FFF2-40B4-BE49-F238E27FC236}">
-                <a16:creationId xmlns:a16="http://schemas.microsoft.com/office/drawing/2014/main" id="{26A9A0B6-4B0D-0C42-C720-658E75431ACA}"/>
-              </a:ext>
-            </a:extLst>
-          </p:cNvPr>
+          <p:cNvPr id="7" name="Slide Number Placeholder 6"/>
           <p:cNvSpPr>
             <a:spLocks noGrp="1"/>
           </p:cNvSpPr>
@@ -2445,7 +2150,7 @@
     </p:spTree>
     <p:extLst>
       <p:ext uri="{BB962C8B-B14F-4D97-AF65-F5344CB8AC3E}">
-        <p14:creationId xmlns:p14="http://schemas.microsoft.com/office/powerpoint/2010/main" val="3889809132"/>
+        <p14:creationId xmlns:p14="http://schemas.microsoft.com/office/powerpoint/2010/main" val="1298865220"/>
       </p:ext>
     </p:extLst>
   </p:cSld>
@@ -2474,13 +2179,7 @@
       </p:grpSpPr>
       <p:sp>
         <p:nvSpPr>
-          <p:cNvPr id="2" name="Title 1">
-            <a:extLst>
-              <a:ext uri="{FF2B5EF4-FFF2-40B4-BE49-F238E27FC236}">
-                <a16:creationId xmlns:a16="http://schemas.microsoft.com/office/drawing/2014/main" id="{4F6CA15F-AB20-FC9B-E799-09295923CB87}"/>
-              </a:ext>
-            </a:extLst>
-          </p:cNvPr>
+          <p:cNvPr id="2" name="Title 1"/>
           <p:cNvSpPr>
             <a:spLocks noGrp="1"/>
           </p:cNvSpPr>
@@ -2490,15 +2189,15 @@
         </p:nvSpPr>
         <p:spPr>
           <a:xfrm>
-            <a:off x="839788" y="457200"/>
-            <a:ext cx="3932237" cy="1600200"/>
+            <a:off x="503873" y="487680"/>
+            <a:ext cx="2359342" cy="1706880"/>
           </a:xfrm>
         </p:spPr>
         <p:txBody>
           <a:bodyPr anchor="b"/>
           <a:lstStyle>
             <a:lvl1pPr>
-              <a:defRPr sz="3200"/>
+              <a:defRPr sz="2560"/>
             </a:lvl1pPr>
           </a:lstStyle>
           <a:p>
@@ -2506,20 +2205,15 @@
               <a:rPr lang="en-US"/>
               <a:t>Click to edit Master title style</a:t>
             </a:r>
-          </a:p>
-        </p:txBody>
-      </p:sp>
-      <p:sp>
-        <p:nvSpPr>
-          <p:cNvPr id="3" name="Picture Placeholder 2">
-            <a:extLst>
-              <a:ext uri="{FF2B5EF4-FFF2-40B4-BE49-F238E27FC236}">
-                <a16:creationId xmlns:a16="http://schemas.microsoft.com/office/drawing/2014/main" id="{2AD4A7FD-59E0-F453-36BB-D634D0AA8463}"/>
-              </a:ext>
-            </a:extLst>
-          </p:cNvPr>
-          <p:cNvSpPr>
-            <a:spLocks noGrp="1"/>
+            <a:endParaRPr lang="en-US" dirty="0"/>
+          </a:p>
+        </p:txBody>
+      </p:sp>
+      <p:sp>
+        <p:nvSpPr>
+          <p:cNvPr id="3" name="Picture Placeholder 2"/>
+          <p:cNvSpPr>
+            <a:spLocks noGrp="1" noChangeAspect="1"/>
           </p:cNvSpPr>
           <p:nvPr>
             <p:ph type="pic" idx="1"/>
@@ -2527,64 +2221,62 @@
         </p:nvSpPr>
         <p:spPr>
           <a:xfrm>
-            <a:off x="5183188" y="987425"/>
-            <a:ext cx="6172200" cy="4873625"/>
+            <a:off x="3109913" y="1053255"/>
+            <a:ext cx="3703320" cy="5198533"/>
           </a:xfrm>
         </p:spPr>
         <p:txBody>
-          <a:bodyPr/>
+          <a:bodyPr anchor="t"/>
           <a:lstStyle>
             <a:lvl1pPr marL="0" indent="0">
               <a:buNone/>
-              <a:defRPr sz="3200"/>
+              <a:defRPr sz="2560"/>
             </a:lvl1pPr>
-            <a:lvl2pPr marL="457200" indent="0">
-              <a:buNone/>
-              <a:defRPr sz="2800"/>
+            <a:lvl2pPr marL="365760" indent="0">
+              <a:buNone/>
+              <a:defRPr sz="2240"/>
             </a:lvl2pPr>
-            <a:lvl3pPr marL="914400" indent="0">
-              <a:buNone/>
-              <a:defRPr sz="2400"/>
+            <a:lvl3pPr marL="731520" indent="0">
+              <a:buNone/>
+              <a:defRPr sz="1920"/>
             </a:lvl3pPr>
-            <a:lvl4pPr marL="1371600" indent="0">
-              <a:buNone/>
-              <a:defRPr sz="2000"/>
+            <a:lvl4pPr marL="1097280" indent="0">
+              <a:buNone/>
+              <a:defRPr sz="1600"/>
             </a:lvl4pPr>
-            <a:lvl5pPr marL="1828800" indent="0">
-              <a:buNone/>
-              <a:defRPr sz="2000"/>
+            <a:lvl5pPr marL="1463040" indent="0">
+              <a:buNone/>
+              <a:defRPr sz="1600"/>
             </a:lvl5pPr>
-            <a:lvl6pPr marL="2286000" indent="0">
-              <a:buNone/>
-              <a:defRPr sz="2000"/>
+            <a:lvl6pPr marL="1828800" indent="0">
+              <a:buNone/>
+              <a:defRPr sz="1600"/>
             </a:lvl6pPr>
-            <a:lvl7pPr marL="2743200" indent="0">
-              <a:buNone/>
-              <a:defRPr sz="2000"/>
+            <a:lvl7pPr marL="2194560" indent="0">
+              <a:buNone/>
+              <a:defRPr sz="1600"/>
             </a:lvl7pPr>
-            <a:lvl8pPr marL="3200400" indent="0">
-              <a:buNone/>
-              <a:defRPr sz="2000"/>
+            <a:lvl8pPr marL="2560320" indent="0">
+              <a:buNone/>
+              <a:defRPr sz="1600"/>
             </a:lvl8pPr>
-            <a:lvl9pPr marL="3657600" indent="0">
-              <a:buNone/>
-              <a:defRPr sz="2000"/>
+            <a:lvl9pPr marL="2926080" indent="0">
+              <a:buNone/>
+              <a:defRPr sz="1600"/>
             </a:lvl9pPr>
           </a:lstStyle>
           <a:p>
-            <a:endParaRPr lang="en-US"/>
-          </a:p>
-        </p:txBody>
-      </p:sp>
-      <p:sp>
-        <p:nvSpPr>
-          <p:cNvPr id="4" name="Text Placeholder 3">
-            <a:extLst>
-              <a:ext uri="{FF2B5EF4-FFF2-40B4-BE49-F238E27FC236}">
-                <a16:creationId xmlns:a16="http://schemas.microsoft.com/office/drawing/2014/main" id="{F2B39E27-F244-D544-32A8-944EA0C9C9F4}"/>
-              </a:ext>
-            </a:extLst>
-          </p:cNvPr>
+            <a:r>
+              <a:rPr lang="en-US"/>
+              <a:t>Click icon to add picture</a:t>
+            </a:r>
+            <a:endParaRPr lang="en-US" dirty="0"/>
+          </a:p>
+        </p:txBody>
+      </p:sp>
+      <p:sp>
+        <p:nvSpPr>
+          <p:cNvPr id="4" name="Text Placeholder 3"/>
           <p:cNvSpPr>
             <a:spLocks noGrp="1"/>
           </p:cNvSpPr>
@@ -2594,8 +2286,8 @@
         </p:nvSpPr>
         <p:spPr>
           <a:xfrm>
-            <a:off x="839788" y="2057400"/>
-            <a:ext cx="3932237" cy="3811588"/>
+            <a:off x="503873" y="2194560"/>
+            <a:ext cx="2359342" cy="4065694"/>
           </a:xfrm>
         </p:spPr>
         <p:txBody>
@@ -2603,39 +2295,39 @@
           <a:lstStyle>
             <a:lvl1pPr marL="0" indent="0">
               <a:buNone/>
-              <a:defRPr sz="1600"/>
+              <a:defRPr sz="1280"/>
             </a:lvl1pPr>
-            <a:lvl2pPr marL="457200" indent="0">
-              <a:buNone/>
-              <a:defRPr sz="1400"/>
+            <a:lvl2pPr marL="365760" indent="0">
+              <a:buNone/>
+              <a:defRPr sz="1120"/>
             </a:lvl2pPr>
-            <a:lvl3pPr marL="914400" indent="0">
-              <a:buNone/>
-              <a:defRPr sz="1200"/>
+            <a:lvl3pPr marL="731520" indent="0">
+              <a:buNone/>
+              <a:defRPr sz="960"/>
             </a:lvl3pPr>
-            <a:lvl4pPr marL="1371600" indent="0">
-              <a:buNone/>
-              <a:defRPr sz="1000"/>
+            <a:lvl4pPr marL="1097280" indent="0">
+              <a:buNone/>
+              <a:defRPr sz="800"/>
             </a:lvl4pPr>
-            <a:lvl5pPr marL="1828800" indent="0">
-              <a:buNone/>
-              <a:defRPr sz="1000"/>
+            <a:lvl5pPr marL="1463040" indent="0">
+              <a:buNone/>
+              <a:defRPr sz="800"/>
             </a:lvl5pPr>
-            <a:lvl6pPr marL="2286000" indent="0">
-              <a:buNone/>
-              <a:defRPr sz="1000"/>
+            <a:lvl6pPr marL="1828800" indent="0">
+              <a:buNone/>
+              <a:defRPr sz="800"/>
             </a:lvl6pPr>
-            <a:lvl7pPr marL="2743200" indent="0">
-              <a:buNone/>
-              <a:defRPr sz="1000"/>
+            <a:lvl7pPr marL="2194560" indent="0">
+              <a:buNone/>
+              <a:defRPr sz="800"/>
             </a:lvl7pPr>
-            <a:lvl8pPr marL="3200400" indent="0">
-              <a:buNone/>
-              <a:defRPr sz="1000"/>
+            <a:lvl8pPr marL="2560320" indent="0">
+              <a:buNone/>
+              <a:defRPr sz="800"/>
             </a:lvl8pPr>
-            <a:lvl9pPr marL="3657600" indent="0">
-              <a:buNone/>
-              <a:defRPr sz="1000"/>
+            <a:lvl9pPr marL="2926080" indent="0">
+              <a:buNone/>
+              <a:defRPr sz="800"/>
             </a:lvl9pPr>
           </a:lstStyle>
           <a:p>
@@ -2649,13 +2341,7 @@
       </p:sp>
       <p:sp>
         <p:nvSpPr>
-          <p:cNvPr id="5" name="Date Placeholder 4">
-            <a:extLst>
-              <a:ext uri="{FF2B5EF4-FFF2-40B4-BE49-F238E27FC236}">
-                <a16:creationId xmlns:a16="http://schemas.microsoft.com/office/drawing/2014/main" id="{B8D7E151-A984-ABA8-06E2-87613B8E83CE}"/>
-              </a:ext>
-            </a:extLst>
-          </p:cNvPr>
+          <p:cNvPr id="5" name="Date Placeholder 4"/>
           <p:cNvSpPr>
             <a:spLocks noGrp="1"/>
           </p:cNvSpPr>
@@ -2670,7 +2356,7 @@
           <a:p>
             <a:fld id="{42BCDED8-1B3A-4635-AEC7-1D0A7E84F724}" type="datetimeFigureOut">
               <a:rPr lang="en-US" smtClean="0"/>
-              <a:t>2/28/2025</a:t>
+              <a:t>3/3/2025</a:t>
             </a:fld>
             <a:endParaRPr lang="en-US"/>
           </a:p>
@@ -2678,13 +2364,7 @@
       </p:sp>
       <p:sp>
         <p:nvSpPr>
-          <p:cNvPr id="6" name="Footer Placeholder 5">
-            <a:extLst>
-              <a:ext uri="{FF2B5EF4-FFF2-40B4-BE49-F238E27FC236}">
-                <a16:creationId xmlns:a16="http://schemas.microsoft.com/office/drawing/2014/main" id="{5495CF87-D1FE-CEEF-AB25-BD05DE4E2954}"/>
-              </a:ext>
-            </a:extLst>
-          </p:cNvPr>
+          <p:cNvPr id="6" name="Footer Placeholder 5"/>
           <p:cNvSpPr>
             <a:spLocks noGrp="1"/>
           </p:cNvSpPr>
@@ -2703,13 +2383,7 @@
       </p:sp>
       <p:sp>
         <p:nvSpPr>
-          <p:cNvPr id="7" name="Slide Number Placeholder 6">
-            <a:extLst>
-              <a:ext uri="{FF2B5EF4-FFF2-40B4-BE49-F238E27FC236}">
-                <a16:creationId xmlns:a16="http://schemas.microsoft.com/office/drawing/2014/main" id="{C44D2FB1-034D-9F64-6466-FFFD5C692339}"/>
-              </a:ext>
-            </a:extLst>
-          </p:cNvPr>
+          <p:cNvPr id="7" name="Slide Number Placeholder 6"/>
           <p:cNvSpPr>
             <a:spLocks noGrp="1"/>
           </p:cNvSpPr>
@@ -2733,7 +2407,7 @@
     </p:spTree>
     <p:extLst>
       <p:ext uri="{BB962C8B-B14F-4D97-AF65-F5344CB8AC3E}">
-        <p14:creationId xmlns:p14="http://schemas.microsoft.com/office/powerpoint/2010/main" val="1390618288"/>
+        <p14:creationId xmlns:p14="http://schemas.microsoft.com/office/powerpoint/2010/main" val="1556621189"/>
       </p:ext>
     </p:extLst>
   </p:cSld>
@@ -2767,13 +2441,7 @@
       </p:grpSpPr>
       <p:sp>
         <p:nvSpPr>
-          <p:cNvPr id="2" name="Title Placeholder 1">
-            <a:extLst>
-              <a:ext uri="{FF2B5EF4-FFF2-40B4-BE49-F238E27FC236}">
-                <a16:creationId xmlns:a16="http://schemas.microsoft.com/office/drawing/2014/main" id="{C0735AE2-6079-71A1-AFFC-0EE1B18192DC}"/>
-              </a:ext>
-            </a:extLst>
-          </p:cNvPr>
+          <p:cNvPr id="2" name="Title Placeholder 1"/>
           <p:cNvSpPr>
             <a:spLocks noGrp="1"/>
           </p:cNvSpPr>
@@ -2783,8 +2451,8 @@
         </p:nvSpPr>
         <p:spPr>
           <a:xfrm>
-            <a:off x="838200" y="365125"/>
-            <a:ext cx="10515600" cy="1325563"/>
+            <a:off x="502920" y="389468"/>
+            <a:ext cx="6309360" cy="1413934"/>
           </a:xfrm>
           <a:prstGeom prst="rect">
             <a:avLst/>
@@ -2800,18 +2468,13 @@
               <a:rPr lang="en-US"/>
               <a:t>Click to edit Master title style</a:t>
             </a:r>
-          </a:p>
-        </p:txBody>
-      </p:sp>
-      <p:sp>
-        <p:nvSpPr>
-          <p:cNvPr id="3" name="Text Placeholder 2">
-            <a:extLst>
-              <a:ext uri="{FF2B5EF4-FFF2-40B4-BE49-F238E27FC236}">
-                <a16:creationId xmlns:a16="http://schemas.microsoft.com/office/drawing/2014/main" id="{83C14A4C-FB10-E104-B2F9-CE576DA48DBD}"/>
-              </a:ext>
-            </a:extLst>
-          </p:cNvPr>
+            <a:endParaRPr lang="en-US" dirty="0"/>
+          </a:p>
+        </p:txBody>
+      </p:sp>
+      <p:sp>
+        <p:nvSpPr>
+          <p:cNvPr id="3" name="Text Placeholder 2"/>
           <p:cNvSpPr>
             <a:spLocks noGrp="1"/>
           </p:cNvSpPr>
@@ -2821,8 +2484,8 @@
         </p:nvSpPr>
         <p:spPr>
           <a:xfrm>
-            <a:off x="838200" y="1825625"/>
-            <a:ext cx="10515600" cy="4351338"/>
+            <a:off x="502920" y="1947333"/>
+            <a:ext cx="6309360" cy="4641427"/>
           </a:xfrm>
           <a:prstGeom prst="rect">
             <a:avLst/>
@@ -2867,18 +2530,13 @@
               <a:rPr lang="en-US"/>
               <a:t>Fifth level</a:t>
             </a:r>
-          </a:p>
-        </p:txBody>
-      </p:sp>
-      <p:sp>
-        <p:nvSpPr>
-          <p:cNvPr id="4" name="Date Placeholder 3">
-            <a:extLst>
-              <a:ext uri="{FF2B5EF4-FFF2-40B4-BE49-F238E27FC236}">
-                <a16:creationId xmlns:a16="http://schemas.microsoft.com/office/drawing/2014/main" id="{8C1FF365-FD4C-AA04-468D-F25755837271}"/>
-              </a:ext>
-            </a:extLst>
-          </p:cNvPr>
+            <a:endParaRPr lang="en-US" dirty="0"/>
+          </a:p>
+        </p:txBody>
+      </p:sp>
+      <p:sp>
+        <p:nvSpPr>
+          <p:cNvPr id="4" name="Date Placeholder 3"/>
           <p:cNvSpPr>
             <a:spLocks noGrp="1"/>
           </p:cNvSpPr>
@@ -2888,8 +2546,8 @@
         </p:nvSpPr>
         <p:spPr>
           <a:xfrm>
-            <a:off x="838200" y="6356350"/>
-            <a:ext cx="2743200" cy="365125"/>
+            <a:off x="502920" y="6780108"/>
+            <a:ext cx="1645920" cy="389467"/>
           </a:xfrm>
           <a:prstGeom prst="rect">
             <a:avLst/>
@@ -2899,7 +2557,7 @@
           <a:bodyPr vert="horz" lIns="91440" tIns="45720" rIns="91440" bIns="45720" rtlCol="0" anchor="ctr"/>
           <a:lstStyle>
             <a:lvl1pPr algn="l">
-              <a:defRPr sz="1200">
+              <a:defRPr sz="960">
                 <a:solidFill>
                   <a:schemeClr val="tx1">
                     <a:tint val="82000"/>
@@ -2911,7 +2569,7 @@
           <a:p>
             <a:fld id="{42BCDED8-1B3A-4635-AEC7-1D0A7E84F724}" type="datetimeFigureOut">
               <a:rPr lang="en-US" smtClean="0"/>
-              <a:t>2/28/2025</a:t>
+              <a:t>3/3/2025</a:t>
             </a:fld>
             <a:endParaRPr lang="en-US"/>
           </a:p>
@@ -2919,13 +2577,7 @@
       </p:sp>
       <p:sp>
         <p:nvSpPr>
-          <p:cNvPr id="5" name="Footer Placeholder 4">
-            <a:extLst>
-              <a:ext uri="{FF2B5EF4-FFF2-40B4-BE49-F238E27FC236}">
-                <a16:creationId xmlns:a16="http://schemas.microsoft.com/office/drawing/2014/main" id="{DE181827-F866-73DA-4559-6F56065C7661}"/>
-              </a:ext>
-            </a:extLst>
-          </p:cNvPr>
+          <p:cNvPr id="5" name="Footer Placeholder 4"/>
           <p:cNvSpPr>
             <a:spLocks noGrp="1"/>
           </p:cNvSpPr>
@@ -2935,8 +2587,8 @@
         </p:nvSpPr>
         <p:spPr>
           <a:xfrm>
-            <a:off x="4038600" y="6356350"/>
-            <a:ext cx="4114800" cy="365125"/>
+            <a:off x="2423160" y="6780108"/>
+            <a:ext cx="2468880" cy="389467"/>
           </a:xfrm>
           <a:prstGeom prst="rect">
             <a:avLst/>
@@ -2946,7 +2598,7 @@
           <a:bodyPr vert="horz" lIns="91440" tIns="45720" rIns="91440" bIns="45720" rtlCol="0" anchor="ctr"/>
           <a:lstStyle>
             <a:lvl1pPr algn="ctr">
-              <a:defRPr sz="1200">
+              <a:defRPr sz="960">
                 <a:solidFill>
                   <a:schemeClr val="tx1">
                     <a:tint val="82000"/>
@@ -2962,13 +2614,7 @@
       </p:sp>
       <p:sp>
         <p:nvSpPr>
-          <p:cNvPr id="6" name="Slide Number Placeholder 5">
-            <a:extLst>
-              <a:ext uri="{FF2B5EF4-FFF2-40B4-BE49-F238E27FC236}">
-                <a16:creationId xmlns:a16="http://schemas.microsoft.com/office/drawing/2014/main" id="{6AFFDEE8-0A07-55AC-F532-5711C3696105}"/>
-              </a:ext>
-            </a:extLst>
-          </p:cNvPr>
+          <p:cNvPr id="6" name="Slide Number Placeholder 5"/>
           <p:cNvSpPr>
             <a:spLocks noGrp="1"/>
           </p:cNvSpPr>
@@ -2978,8 +2624,8 @@
         </p:nvSpPr>
         <p:spPr>
           <a:xfrm>
-            <a:off x="8610600" y="6356350"/>
-            <a:ext cx="2743200" cy="365125"/>
+            <a:off x="5166360" y="6780108"/>
+            <a:ext cx="1645920" cy="389467"/>
           </a:xfrm>
           <a:prstGeom prst="rect">
             <a:avLst/>
@@ -2989,7 +2635,7 @@
           <a:bodyPr vert="horz" lIns="91440" tIns="45720" rIns="91440" bIns="45720" rtlCol="0" anchor="ctr"/>
           <a:lstStyle>
             <a:lvl1pPr algn="r">
-              <a:defRPr sz="1200">
+              <a:defRPr sz="960">
                 <a:solidFill>
                   <a:schemeClr val="tx1">
                     <a:tint val="82000"/>
@@ -3010,27 +2656,27 @@
     </p:spTree>
     <p:extLst>
       <p:ext uri="{BB962C8B-B14F-4D97-AF65-F5344CB8AC3E}">
-        <p14:creationId xmlns:p14="http://schemas.microsoft.com/office/powerpoint/2010/main" val="1876174013"/>
+        <p14:creationId xmlns:p14="http://schemas.microsoft.com/office/powerpoint/2010/main" val="641583401"/>
       </p:ext>
     </p:extLst>
   </p:cSld>
   <p:clrMap bg1="lt1" tx1="dk1" bg2="lt2" tx2="dk2" accent1="accent1" accent2="accent2" accent3="accent3" accent4="accent4" accent5="accent5" accent6="accent6" hlink="hlink" folHlink="folHlink"/>
   <p:sldLayoutIdLst>
-    <p:sldLayoutId id="2147483649" r:id="rId1"/>
-    <p:sldLayoutId id="2147483650" r:id="rId2"/>
-    <p:sldLayoutId id="2147483651" r:id="rId3"/>
-    <p:sldLayoutId id="2147483652" r:id="rId4"/>
-    <p:sldLayoutId id="2147483653" r:id="rId5"/>
-    <p:sldLayoutId id="2147483654" r:id="rId6"/>
-    <p:sldLayoutId id="2147483655" r:id="rId7"/>
-    <p:sldLayoutId id="2147483656" r:id="rId8"/>
-    <p:sldLayoutId id="2147483657" r:id="rId9"/>
-    <p:sldLayoutId id="2147483658" r:id="rId10"/>
-    <p:sldLayoutId id="2147483659" r:id="rId11"/>
+    <p:sldLayoutId id="2147483697" r:id="rId1"/>
+    <p:sldLayoutId id="2147483698" r:id="rId2"/>
+    <p:sldLayoutId id="2147483699" r:id="rId3"/>
+    <p:sldLayoutId id="2147483700" r:id="rId4"/>
+    <p:sldLayoutId id="2147483701" r:id="rId5"/>
+    <p:sldLayoutId id="2147483702" r:id="rId6"/>
+    <p:sldLayoutId id="2147483703" r:id="rId7"/>
+    <p:sldLayoutId id="2147483704" r:id="rId8"/>
+    <p:sldLayoutId id="2147483705" r:id="rId9"/>
+    <p:sldLayoutId id="2147483706" r:id="rId10"/>
+    <p:sldLayoutId id="2147483707" r:id="rId11"/>
   </p:sldLayoutIdLst>
   <p:txStyles>
     <p:titleStyle>
-      <a:lvl1pPr algn="l" defTabSz="914400" rtl="0" eaLnBrk="1" latinLnBrk="0" hangingPunct="1">
+      <a:lvl1pPr algn="l" defTabSz="731520" rtl="0" eaLnBrk="1" latinLnBrk="0" hangingPunct="1">
         <a:lnSpc>
           <a:spcPct val="90000"/>
         </a:lnSpc>
@@ -3038,7 +2684,7 @@
           <a:spcPct val="0"/>
         </a:spcBef>
         <a:buNone/>
-        <a:defRPr sz="4400" kern="1200">
+        <a:defRPr sz="3520" kern="1200">
           <a:solidFill>
             <a:schemeClr val="tx1"/>
           </a:solidFill>
@@ -3049,16 +2695,16 @@
       </a:lvl1pPr>
     </p:titleStyle>
     <p:bodyStyle>
-      <a:lvl1pPr marL="228600" indent="-228600" algn="l" defTabSz="914400" rtl="0" eaLnBrk="1" latinLnBrk="0" hangingPunct="1">
+      <a:lvl1pPr marL="182880" indent="-182880" algn="l" defTabSz="731520" rtl="0" eaLnBrk="1" latinLnBrk="0" hangingPunct="1">
         <a:lnSpc>
           <a:spcPct val="90000"/>
         </a:lnSpc>
         <a:spcBef>
-          <a:spcPts val="1000"/>
+          <a:spcPts val="800"/>
         </a:spcBef>
         <a:buFont typeface="Arial" panose="020B0604020202020204" pitchFamily="34" charset="0"/>
         <a:buChar char="•"/>
-        <a:defRPr sz="2800" kern="1200">
+        <a:defRPr sz="2240" kern="1200">
           <a:solidFill>
             <a:schemeClr val="tx1"/>
           </a:solidFill>
@@ -3067,16 +2713,16 @@
           <a:cs typeface="+mn-cs"/>
         </a:defRPr>
       </a:lvl1pPr>
-      <a:lvl2pPr marL="685800" indent="-228600" algn="l" defTabSz="914400" rtl="0" eaLnBrk="1" latinLnBrk="0" hangingPunct="1">
+      <a:lvl2pPr marL="548640" indent="-182880" algn="l" defTabSz="731520" rtl="0" eaLnBrk="1" latinLnBrk="0" hangingPunct="1">
         <a:lnSpc>
           <a:spcPct val="90000"/>
         </a:lnSpc>
         <a:spcBef>
-          <a:spcPts val="500"/>
+          <a:spcPts val="400"/>
         </a:spcBef>
         <a:buFont typeface="Arial" panose="020B0604020202020204" pitchFamily="34" charset="0"/>
         <a:buChar char="•"/>
-        <a:defRPr sz="2400" kern="1200">
+        <a:defRPr sz="1920" kern="1200">
           <a:solidFill>
             <a:schemeClr val="tx1"/>
           </a:solidFill>
@@ -3085,16 +2731,16 @@
           <a:cs typeface="+mn-cs"/>
         </a:defRPr>
       </a:lvl2pPr>
-      <a:lvl3pPr marL="1143000" indent="-228600" algn="l" defTabSz="914400" rtl="0" eaLnBrk="1" latinLnBrk="0" hangingPunct="1">
+      <a:lvl3pPr marL="914400" indent="-182880" algn="l" defTabSz="731520" rtl="0" eaLnBrk="1" latinLnBrk="0" hangingPunct="1">
         <a:lnSpc>
           <a:spcPct val="90000"/>
         </a:lnSpc>
         <a:spcBef>
-          <a:spcPts val="500"/>
+          <a:spcPts val="400"/>
         </a:spcBef>
         <a:buFont typeface="Arial" panose="020B0604020202020204" pitchFamily="34" charset="0"/>
         <a:buChar char="•"/>
-        <a:defRPr sz="2000" kern="1200">
+        <a:defRPr sz="1600" kern="1200">
           <a:solidFill>
             <a:schemeClr val="tx1"/>
           </a:solidFill>
@@ -3103,16 +2749,16 @@
           <a:cs typeface="+mn-cs"/>
         </a:defRPr>
       </a:lvl3pPr>
-      <a:lvl4pPr marL="1600200" indent="-228600" algn="l" defTabSz="914400" rtl="0" eaLnBrk="1" latinLnBrk="0" hangingPunct="1">
+      <a:lvl4pPr marL="1280160" indent="-182880" algn="l" defTabSz="731520" rtl="0" eaLnBrk="1" latinLnBrk="0" hangingPunct="1">
         <a:lnSpc>
           <a:spcPct val="90000"/>
         </a:lnSpc>
         <a:spcBef>
-          <a:spcPts val="500"/>
+          <a:spcPts val="400"/>
         </a:spcBef>
         <a:buFont typeface="Arial" panose="020B0604020202020204" pitchFamily="34" charset="0"/>
         <a:buChar char="•"/>
-        <a:defRPr sz="1800" kern="1200">
+        <a:defRPr sz="1440" kern="1200">
           <a:solidFill>
             <a:schemeClr val="tx1"/>
           </a:solidFill>
@@ -3121,16 +2767,16 @@
           <a:cs typeface="+mn-cs"/>
         </a:defRPr>
       </a:lvl4pPr>
-      <a:lvl5pPr marL="2057400" indent="-228600" algn="l" defTabSz="914400" rtl="0" eaLnBrk="1" latinLnBrk="0" hangingPunct="1">
+      <a:lvl5pPr marL="1645920" indent="-182880" algn="l" defTabSz="731520" rtl="0" eaLnBrk="1" latinLnBrk="0" hangingPunct="1">
         <a:lnSpc>
           <a:spcPct val="90000"/>
         </a:lnSpc>
         <a:spcBef>
-          <a:spcPts val="500"/>
+          <a:spcPts val="400"/>
         </a:spcBef>
         <a:buFont typeface="Arial" panose="020B0604020202020204" pitchFamily="34" charset="0"/>
         <a:buChar char="•"/>
-        <a:defRPr sz="1800" kern="1200">
+        <a:defRPr sz="1440" kern="1200">
           <a:solidFill>
             <a:schemeClr val="tx1"/>
           </a:solidFill>
@@ -3139,16 +2785,16 @@
           <a:cs typeface="+mn-cs"/>
         </a:defRPr>
       </a:lvl5pPr>
-      <a:lvl6pPr marL="2514600" indent="-228600" algn="l" defTabSz="914400" rtl="0" eaLnBrk="1" latinLnBrk="0" hangingPunct="1">
+      <a:lvl6pPr marL="2011680" indent="-182880" algn="l" defTabSz="731520" rtl="0" eaLnBrk="1" latinLnBrk="0" hangingPunct="1">
         <a:lnSpc>
           <a:spcPct val="90000"/>
         </a:lnSpc>
         <a:spcBef>
-          <a:spcPts val="500"/>
+          <a:spcPts val="400"/>
         </a:spcBef>
         <a:buFont typeface="Arial" panose="020B0604020202020204" pitchFamily="34" charset="0"/>
         <a:buChar char="•"/>
-        <a:defRPr sz="1800" kern="1200">
+        <a:defRPr sz="1440" kern="1200">
           <a:solidFill>
             <a:schemeClr val="tx1"/>
           </a:solidFill>
@@ -3157,16 +2803,16 @@
           <a:cs typeface="+mn-cs"/>
         </a:defRPr>
       </a:lvl6pPr>
-      <a:lvl7pPr marL="2971800" indent="-228600" algn="l" defTabSz="914400" rtl="0" eaLnBrk="1" latinLnBrk="0" hangingPunct="1">
+      <a:lvl7pPr marL="2377440" indent="-182880" algn="l" defTabSz="731520" rtl="0" eaLnBrk="1" latinLnBrk="0" hangingPunct="1">
         <a:lnSpc>
           <a:spcPct val="90000"/>
         </a:lnSpc>
         <a:spcBef>
-          <a:spcPts val="500"/>
+          <a:spcPts val="400"/>
         </a:spcBef>
         <a:buFont typeface="Arial" panose="020B0604020202020204" pitchFamily="34" charset="0"/>
         <a:buChar char="•"/>
-        <a:defRPr sz="1800" kern="1200">
+        <a:defRPr sz="1440" kern="1200">
           <a:solidFill>
             <a:schemeClr val="tx1"/>
           </a:solidFill>
@@ -3175,16 +2821,16 @@
           <a:cs typeface="+mn-cs"/>
         </a:defRPr>
       </a:lvl7pPr>
-      <a:lvl8pPr marL="3429000" indent="-228600" algn="l" defTabSz="914400" rtl="0" eaLnBrk="1" latinLnBrk="0" hangingPunct="1">
+      <a:lvl8pPr marL="2743200" indent="-182880" algn="l" defTabSz="731520" rtl="0" eaLnBrk="1" latinLnBrk="0" hangingPunct="1">
         <a:lnSpc>
           <a:spcPct val="90000"/>
         </a:lnSpc>
         <a:spcBef>
-          <a:spcPts val="500"/>
+          <a:spcPts val="400"/>
         </a:spcBef>
         <a:buFont typeface="Arial" panose="020B0604020202020204" pitchFamily="34" charset="0"/>
         <a:buChar char="•"/>
-        <a:defRPr sz="1800" kern="1200">
+        <a:defRPr sz="1440" kern="1200">
           <a:solidFill>
             <a:schemeClr val="tx1"/>
           </a:solidFill>
@@ -3193,16 +2839,16 @@
           <a:cs typeface="+mn-cs"/>
         </a:defRPr>
       </a:lvl8pPr>
-      <a:lvl9pPr marL="3886200" indent="-228600" algn="l" defTabSz="914400" rtl="0" eaLnBrk="1" latinLnBrk="0" hangingPunct="1">
+      <a:lvl9pPr marL="3108960" indent="-182880" algn="l" defTabSz="731520" rtl="0" eaLnBrk="1" latinLnBrk="0" hangingPunct="1">
         <a:lnSpc>
           <a:spcPct val="90000"/>
         </a:lnSpc>
         <a:spcBef>
-          <a:spcPts val="500"/>
+          <a:spcPts val="400"/>
         </a:spcBef>
         <a:buFont typeface="Arial" panose="020B0604020202020204" pitchFamily="34" charset="0"/>
         <a:buChar char="•"/>
-        <a:defRPr sz="1800" kern="1200">
+        <a:defRPr sz="1440" kern="1200">
           <a:solidFill>
             <a:schemeClr val="tx1"/>
           </a:solidFill>
@@ -3216,8 +2862,8 @@
       <a:defPPr>
         <a:defRPr lang="en-US"/>
       </a:defPPr>
-      <a:lvl1pPr marL="0" algn="l" defTabSz="914400" rtl="0" eaLnBrk="1" latinLnBrk="0" hangingPunct="1">
-        <a:defRPr sz="1800" kern="1200">
+      <a:lvl1pPr marL="0" algn="l" defTabSz="731520" rtl="0" eaLnBrk="1" latinLnBrk="0" hangingPunct="1">
+        <a:defRPr sz="1440" kern="1200">
           <a:solidFill>
             <a:schemeClr val="tx1"/>
           </a:solidFill>
@@ -3226,8 +2872,8 @@
           <a:cs typeface="+mn-cs"/>
         </a:defRPr>
       </a:lvl1pPr>
-      <a:lvl2pPr marL="457200" algn="l" defTabSz="914400" rtl="0" eaLnBrk="1" latinLnBrk="0" hangingPunct="1">
-        <a:defRPr sz="1800" kern="1200">
+      <a:lvl2pPr marL="365760" algn="l" defTabSz="731520" rtl="0" eaLnBrk="1" latinLnBrk="0" hangingPunct="1">
+        <a:defRPr sz="1440" kern="1200">
           <a:solidFill>
             <a:schemeClr val="tx1"/>
           </a:solidFill>
@@ -3236,8 +2882,8 @@
           <a:cs typeface="+mn-cs"/>
         </a:defRPr>
       </a:lvl2pPr>
-      <a:lvl3pPr marL="914400" algn="l" defTabSz="914400" rtl="0" eaLnBrk="1" latinLnBrk="0" hangingPunct="1">
-        <a:defRPr sz="1800" kern="1200">
+      <a:lvl3pPr marL="731520" algn="l" defTabSz="731520" rtl="0" eaLnBrk="1" latinLnBrk="0" hangingPunct="1">
+        <a:defRPr sz="1440" kern="1200">
           <a:solidFill>
             <a:schemeClr val="tx1"/>
           </a:solidFill>
@@ -3246,8 +2892,8 @@
           <a:cs typeface="+mn-cs"/>
         </a:defRPr>
       </a:lvl3pPr>
-      <a:lvl4pPr marL="1371600" algn="l" defTabSz="914400" rtl="0" eaLnBrk="1" latinLnBrk="0" hangingPunct="1">
-        <a:defRPr sz="1800" kern="1200">
+      <a:lvl4pPr marL="1097280" algn="l" defTabSz="731520" rtl="0" eaLnBrk="1" latinLnBrk="0" hangingPunct="1">
+        <a:defRPr sz="1440" kern="1200">
           <a:solidFill>
             <a:schemeClr val="tx1"/>
           </a:solidFill>
@@ -3256,8 +2902,8 @@
           <a:cs typeface="+mn-cs"/>
         </a:defRPr>
       </a:lvl4pPr>
-      <a:lvl5pPr marL="1828800" algn="l" defTabSz="914400" rtl="0" eaLnBrk="1" latinLnBrk="0" hangingPunct="1">
-        <a:defRPr sz="1800" kern="1200">
+      <a:lvl5pPr marL="1463040" algn="l" defTabSz="731520" rtl="0" eaLnBrk="1" latinLnBrk="0" hangingPunct="1">
+        <a:defRPr sz="1440" kern="1200">
           <a:solidFill>
             <a:schemeClr val="tx1"/>
           </a:solidFill>
@@ -3266,8 +2912,8 @@
           <a:cs typeface="+mn-cs"/>
         </a:defRPr>
       </a:lvl5pPr>
-      <a:lvl6pPr marL="2286000" algn="l" defTabSz="914400" rtl="0" eaLnBrk="1" latinLnBrk="0" hangingPunct="1">
-        <a:defRPr sz="1800" kern="1200">
+      <a:lvl6pPr marL="1828800" algn="l" defTabSz="731520" rtl="0" eaLnBrk="1" latinLnBrk="0" hangingPunct="1">
+        <a:defRPr sz="1440" kern="1200">
           <a:solidFill>
             <a:schemeClr val="tx1"/>
           </a:solidFill>
@@ -3276,8 +2922,8 @@
           <a:cs typeface="+mn-cs"/>
         </a:defRPr>
       </a:lvl6pPr>
-      <a:lvl7pPr marL="2743200" algn="l" defTabSz="914400" rtl="0" eaLnBrk="1" latinLnBrk="0" hangingPunct="1">
-        <a:defRPr sz="1800" kern="1200">
+      <a:lvl7pPr marL="2194560" algn="l" defTabSz="731520" rtl="0" eaLnBrk="1" latinLnBrk="0" hangingPunct="1">
+        <a:defRPr sz="1440" kern="1200">
           <a:solidFill>
             <a:schemeClr val="tx1"/>
           </a:solidFill>
@@ -3286,8 +2932,8 @@
           <a:cs typeface="+mn-cs"/>
         </a:defRPr>
       </a:lvl7pPr>
-      <a:lvl8pPr marL="3200400" algn="l" defTabSz="914400" rtl="0" eaLnBrk="1" latinLnBrk="0" hangingPunct="1">
-        <a:defRPr sz="1800" kern="1200">
+      <a:lvl8pPr marL="2560320" algn="l" defTabSz="731520" rtl="0" eaLnBrk="1" latinLnBrk="0" hangingPunct="1">
+        <a:defRPr sz="1440" kern="1200">
           <a:solidFill>
             <a:schemeClr val="tx1"/>
           </a:solidFill>
@@ -3296,8 +2942,8 @@
           <a:cs typeface="+mn-cs"/>
         </a:defRPr>
       </a:lvl8pPr>
-      <a:lvl9pPr marL="3657600" algn="l" defTabSz="914400" rtl="0" eaLnBrk="1" latinLnBrk="0" hangingPunct="1">
-        <a:defRPr sz="1800" kern="1200">
+      <a:lvl9pPr marL="2926080" algn="l" defTabSz="731520" rtl="0" eaLnBrk="1" latinLnBrk="0" hangingPunct="1">
+        <a:defRPr sz="1440" kern="1200">
           <a:solidFill>
             <a:schemeClr val="tx1"/>
           </a:solidFill>
@@ -3319,7 +2965,7 @@
         <p:cNvPr id="1" name="">
           <a:extLst>
             <a:ext uri="{FF2B5EF4-FFF2-40B4-BE49-F238E27FC236}">
-              <a16:creationId xmlns:a16="http://schemas.microsoft.com/office/drawing/2014/main" id="{DCBFBD20-279E-AEFA-8E5F-DB2729282811}"/>
+              <a16:creationId xmlns:a16="http://schemas.microsoft.com/office/drawing/2014/main" id="{F5B30325-888B-9912-BC85-FB3876B7D5EA}"/>
             </a:ext>
           </a:extLst>
         </p:cNvPr>
@@ -3339,21 +2985,21 @@
           <p:cNvPr id="4" name="Straight Arrow Connector 3">
             <a:extLst>
               <a:ext uri="{FF2B5EF4-FFF2-40B4-BE49-F238E27FC236}">
-                <a16:creationId xmlns:a16="http://schemas.microsoft.com/office/drawing/2014/main" id="{16A5CA30-5DCB-528C-F0D2-F641FDDA2FE4}"/>
+                <a16:creationId xmlns:a16="http://schemas.microsoft.com/office/drawing/2014/main" id="{94CB4C42-98D3-7BF1-1431-C3C26FE9F8C1}"/>
               </a:ext>
             </a:extLst>
           </p:cNvPr>
           <p:cNvCxnSpPr>
             <a:cxnSpLocks/>
-            <a:stCxn id="5" idx="3"/>
-            <a:endCxn id="7" idx="1"/>
+            <a:stCxn id="5" idx="2"/>
+            <a:endCxn id="7" idx="0"/>
           </p:cNvCxnSpPr>
           <p:nvPr/>
         </p:nvCxnSpPr>
         <p:spPr>
-          <a:xfrm flipV="1">
-            <a:off x="3476659" y="1906729"/>
-            <a:ext cx="537101" cy="1"/>
+          <a:xfrm>
+            <a:off x="1982794" y="2216438"/>
+            <a:ext cx="0" cy="554973"/>
           </a:xfrm>
           <a:prstGeom prst="straightConnector1">
             <a:avLst/>
@@ -3385,7 +3031,7 @@
           <p:cNvPr id="5" name="Rectangle: Rounded Corners 4">
             <a:extLst>
               <a:ext uri="{FF2B5EF4-FFF2-40B4-BE49-F238E27FC236}">
-                <a16:creationId xmlns:a16="http://schemas.microsoft.com/office/drawing/2014/main" id="{C6187B28-7EEF-CC5E-1381-0F9FF096C6D8}"/>
+                <a16:creationId xmlns:a16="http://schemas.microsoft.com/office/drawing/2014/main" id="{712E365B-1E58-B919-20EA-B9363BB836B5}"/>
               </a:ext>
             </a:extLst>
           </p:cNvPr>
@@ -3394,8 +3040,8 @@
         </p:nvSpPr>
         <p:spPr>
           <a:xfrm>
-            <a:off x="387458" y="1163932"/>
-            <a:ext cx="3089201" cy="1485595"/>
+            <a:off x="462066" y="228845"/>
+            <a:ext cx="3041456" cy="1987593"/>
           </a:xfrm>
           <a:prstGeom prst="roundRect">
             <a:avLst/>
@@ -3431,7 +3077,7 @@
           <a:p>
             <a:pPr algn="ctr"/>
             <a:r>
-              <a:rPr lang="en-US" sz="2000" b="1" dirty="0">
+              <a:rPr lang="en-US" sz="2333" b="1" u="sng" dirty="0">
                 <a:solidFill>
                   <a:schemeClr val="tx1"/>
                 </a:solidFill>
@@ -3442,7 +3088,7 @@
           <a:p>
             <a:pPr algn="ctr"/>
             <a:r>
-              <a:rPr lang="en-US" sz="2000" b="1" dirty="0">
+              <a:rPr lang="en-US" sz="2333" b="1" u="sng" dirty="0">
                 <a:solidFill>
                   <a:schemeClr val="tx1"/>
                 </a:solidFill>
@@ -3451,12 +3097,9 @@
             </a:r>
           </a:p>
           <a:p>
-            <a:pPr marL="171450" indent="-171450">
-              <a:buFont typeface="Wingdings" panose="05000000000000000000" pitchFamily="2" charset="2"/>
-              <a:buChar char="§"/>
-            </a:pPr>
-            <a:r>
-              <a:rPr lang="en-US" sz="2000" dirty="0">
+            <a:pPr algn="ctr"/>
+            <a:r>
+              <a:rPr lang="en-US" sz="2333" dirty="0">
                 <a:solidFill>
                   <a:schemeClr val="tx1"/>
                 </a:solidFill>
@@ -3465,12 +3108,9 @@
             </a:r>
           </a:p>
           <a:p>
-            <a:pPr marL="171450" indent="-171450">
-              <a:buFont typeface="Wingdings" panose="05000000000000000000" pitchFamily="2" charset="2"/>
-              <a:buChar char="§"/>
-            </a:pPr>
-            <a:r>
-              <a:rPr lang="en-US" sz="2000" dirty="0">
+            <a:pPr algn="ctr"/>
+            <a:r>
+              <a:rPr lang="en-US" sz="2333" dirty="0">
                 <a:solidFill>
                   <a:schemeClr val="tx1"/>
                 </a:solidFill>
@@ -3479,12 +3119,9 @@
             </a:r>
           </a:p>
           <a:p>
-            <a:pPr marL="171450" indent="-171450">
-              <a:buFont typeface="Wingdings" panose="05000000000000000000" pitchFamily="2" charset="2"/>
-              <a:buChar char="§"/>
-            </a:pPr>
-            <a:r>
-              <a:rPr lang="en-US" sz="2000" dirty="0">
+            <a:pPr algn="ctr"/>
+            <a:r>
+              <a:rPr lang="en-US" sz="2333" dirty="0">
                 <a:solidFill>
                   <a:schemeClr val="tx1"/>
                 </a:solidFill>
@@ -3499,7 +3136,7 @@
           <p:cNvPr id="7" name="Rectangle: Rounded Corners 6">
             <a:extLst>
               <a:ext uri="{FF2B5EF4-FFF2-40B4-BE49-F238E27FC236}">
-                <a16:creationId xmlns:a16="http://schemas.microsoft.com/office/drawing/2014/main" id="{2F7E0882-B430-D746-F032-BDE4458B025A}"/>
+                <a16:creationId xmlns:a16="http://schemas.microsoft.com/office/drawing/2014/main" id="{26846782-4AD3-38B2-F3CE-6E0365621CC7}"/>
               </a:ext>
             </a:extLst>
           </p:cNvPr>
@@ -3508,8 +3145,8 @@
         </p:nvSpPr>
         <p:spPr>
           <a:xfrm>
-            <a:off x="4013760" y="1114295"/>
-            <a:ext cx="2606961" cy="1584868"/>
+            <a:off x="462066" y="2771409"/>
+            <a:ext cx="3041456" cy="1460076"/>
           </a:xfrm>
           <a:prstGeom prst="roundRect">
             <a:avLst/>
@@ -3543,12 +3180,9 @@
           <a:bodyPr lIns="0" tIns="0" rIns="0" bIns="0" rtlCol="0" anchor="ctr"/>
           <a:lstStyle/>
           <a:p>
-            <a:pPr marL="171450" indent="-171450">
-              <a:buFont typeface="Wingdings" panose="05000000000000000000" pitchFamily="2" charset="2"/>
-              <a:buChar char="§"/>
-            </a:pPr>
-            <a:r>
-              <a:rPr lang="en-US" sz="2000" dirty="0">
+            <a:pPr algn="ctr"/>
+            <a:r>
+              <a:rPr lang="en-US" sz="2333" dirty="0">
                 <a:solidFill>
                   <a:schemeClr val="tx1"/>
                 </a:solidFill>
@@ -3557,12 +3191,9 @@
             </a:r>
           </a:p>
           <a:p>
-            <a:pPr marL="171450" indent="-171450">
-              <a:buFont typeface="Wingdings" panose="05000000000000000000" pitchFamily="2" charset="2"/>
-              <a:buChar char="§"/>
-            </a:pPr>
-            <a:r>
-              <a:rPr lang="en-US" sz="2000" dirty="0">
+            <a:pPr algn="ctr"/>
+            <a:r>
+              <a:rPr lang="en-US" sz="2333" dirty="0">
                 <a:solidFill>
                   <a:schemeClr val="tx1"/>
                 </a:solidFill>
@@ -3571,12 +3202,9 @@
             </a:r>
           </a:p>
           <a:p>
-            <a:pPr marL="171450" indent="-171450">
-              <a:buFont typeface="Wingdings" panose="05000000000000000000" pitchFamily="2" charset="2"/>
-              <a:buChar char="§"/>
-            </a:pPr>
-            <a:r>
-              <a:rPr lang="en-US" sz="2000" dirty="0">
+            <a:pPr algn="ctr"/>
+            <a:r>
+              <a:rPr lang="en-US" sz="2333" dirty="0">
                 <a:solidFill>
                   <a:schemeClr val="tx1"/>
                 </a:solidFill>
@@ -3585,12 +3213,9 @@
             </a:r>
           </a:p>
           <a:p>
-            <a:pPr marL="171450" indent="-171450">
-              <a:buFont typeface="Wingdings" panose="05000000000000000000" pitchFamily="2" charset="2"/>
-              <a:buChar char="§"/>
-            </a:pPr>
-            <a:r>
-              <a:rPr lang="en-US" sz="2000" dirty="0">
+            <a:pPr algn="ctr"/>
+            <a:r>
+              <a:rPr lang="en-US" sz="2333" dirty="0">
                 <a:solidFill>
                   <a:schemeClr val="tx1"/>
                 </a:solidFill>
@@ -3600,10 +3225,232 @@
           </a:p>
         </p:txBody>
       </p:sp>
+      <p:sp>
+        <p:nvSpPr>
+          <p:cNvPr id="2" name="Rectangle: Rounded Corners 1">
+            <a:extLst>
+              <a:ext uri="{FF2B5EF4-FFF2-40B4-BE49-F238E27FC236}">
+                <a16:creationId xmlns:a16="http://schemas.microsoft.com/office/drawing/2014/main" id="{E3AEE2CD-3AF6-0BD9-BF50-48B525305035}"/>
+              </a:ext>
+            </a:extLst>
+          </p:cNvPr>
+          <p:cNvSpPr/>
+          <p:nvPr/>
+        </p:nvSpPr>
+        <p:spPr>
+          <a:xfrm>
+            <a:off x="3125701" y="5139651"/>
+            <a:ext cx="1855781" cy="800066"/>
+          </a:xfrm>
+          <a:prstGeom prst="roundRect">
+            <a:avLst/>
+          </a:prstGeom>
+          <a:solidFill>
+            <a:schemeClr val="bg1"/>
+          </a:solidFill>
+          <a:ln w="28575">
+            <a:solidFill>
+              <a:srgbClr val="005587"/>
+            </a:solidFill>
+          </a:ln>
+        </p:spPr>
+        <p:style>
+          <a:lnRef idx="2">
+            <a:schemeClr val="accent1">
+              <a:shade val="50000"/>
+            </a:schemeClr>
+          </a:lnRef>
+          <a:fillRef idx="1">
+            <a:schemeClr val="accent1"/>
+          </a:fillRef>
+          <a:effectRef idx="0">
+            <a:schemeClr val="accent1"/>
+          </a:effectRef>
+          <a:fontRef idx="minor">
+            <a:schemeClr val="lt1"/>
+          </a:fontRef>
+        </p:style>
+        <p:txBody>
+          <a:bodyPr lIns="0" tIns="0" rIns="0" bIns="0" rtlCol="0" anchor="ctr"/>
+          <a:lstStyle/>
+          <a:p>
+            <a:pPr algn="ctr"/>
+            <a:r>
+              <a:rPr lang="en-US" sz="2333" b="1" dirty="0">
+                <a:solidFill>
+                  <a:schemeClr val="tx2">
+                    <a:lumMod val="90000"/>
+                    <a:lumOff val="10000"/>
+                  </a:schemeClr>
+                </a:solidFill>
+              </a:rPr>
+              <a:t>Brain health</a:t>
+            </a:r>
+          </a:p>
+        </p:txBody>
+      </p:sp>
+      <p:sp>
+        <p:nvSpPr>
+          <p:cNvPr id="3" name="Rectangle: Rounded Corners 2">
+            <a:extLst>
+              <a:ext uri="{FF2B5EF4-FFF2-40B4-BE49-F238E27FC236}">
+                <a16:creationId xmlns:a16="http://schemas.microsoft.com/office/drawing/2014/main" id="{C0A2494D-B76F-7E69-0D7A-66918A0BD704}"/>
+              </a:ext>
+            </a:extLst>
+          </p:cNvPr>
+          <p:cNvSpPr/>
+          <p:nvPr/>
+        </p:nvSpPr>
+        <p:spPr>
+          <a:xfrm>
+            <a:off x="3125701" y="6239105"/>
+            <a:ext cx="1855781" cy="869527"/>
+          </a:xfrm>
+          <a:prstGeom prst="roundRect">
+            <a:avLst/>
+          </a:prstGeom>
+          <a:solidFill>
+            <a:schemeClr val="bg1"/>
+          </a:solidFill>
+          <a:ln w="28575">
+            <a:solidFill>
+              <a:srgbClr val="005587"/>
+            </a:solidFill>
+          </a:ln>
+        </p:spPr>
+        <p:style>
+          <a:lnRef idx="2">
+            <a:schemeClr val="accent1">
+              <a:shade val="50000"/>
+            </a:schemeClr>
+          </a:lnRef>
+          <a:fillRef idx="1">
+            <a:schemeClr val="accent1"/>
+          </a:fillRef>
+          <a:effectRef idx="0">
+            <a:schemeClr val="accent1"/>
+          </a:effectRef>
+          <a:fontRef idx="minor">
+            <a:schemeClr val="lt1"/>
+          </a:fontRef>
+        </p:style>
+        <p:txBody>
+          <a:bodyPr lIns="0" tIns="0" rIns="0" bIns="0" rtlCol="0" anchor="ctr"/>
+          <a:lstStyle/>
+          <a:p>
+            <a:pPr algn="ctr"/>
+            <a:r>
+              <a:rPr lang="en-US" sz="2333" b="1" dirty="0">
+                <a:solidFill>
+                  <a:schemeClr val="tx2">
+                    <a:lumMod val="90000"/>
+                    <a:lumOff val="10000"/>
+                  </a:schemeClr>
+                </a:solidFill>
+              </a:rPr>
+              <a:t>Cognitive decline</a:t>
+            </a:r>
+          </a:p>
+        </p:txBody>
+      </p:sp>
+      <p:cxnSp>
+        <p:nvCxnSpPr>
+          <p:cNvPr id="6" name="Connector: Elbow 5">
+            <a:extLst>
+              <a:ext uri="{FF2B5EF4-FFF2-40B4-BE49-F238E27FC236}">
+                <a16:creationId xmlns:a16="http://schemas.microsoft.com/office/drawing/2014/main" id="{D4B94A2B-1EE4-8557-45BD-2F22BCAAE4E0}"/>
+              </a:ext>
+            </a:extLst>
+          </p:cNvPr>
+          <p:cNvCxnSpPr>
+            <a:cxnSpLocks/>
+            <a:stCxn id="7" idx="2"/>
+            <a:endCxn id="2" idx="0"/>
+          </p:cNvCxnSpPr>
+          <p:nvPr/>
+        </p:nvCxnSpPr>
+        <p:spPr>
+          <a:xfrm rot="16200000" flipH="1">
+            <a:off x="2564107" y="3650168"/>
+            <a:ext cx="908170" cy="2070796"/>
+          </a:xfrm>
+          <a:prstGeom prst="bentConnector3">
+            <a:avLst>
+              <a:gd name="adj1" fmla="val 50000"/>
+            </a:avLst>
+          </a:prstGeom>
+          <a:ln w="28575">
+            <a:solidFill>
+              <a:srgbClr val="FFB81C"/>
+            </a:solidFill>
+            <a:tailEnd type="triangle"/>
+          </a:ln>
+        </p:spPr>
+        <p:style>
+          <a:lnRef idx="2">
+            <a:schemeClr val="accent1"/>
+          </a:lnRef>
+          <a:fillRef idx="0">
+            <a:schemeClr val="accent1"/>
+          </a:fillRef>
+          <a:effectRef idx="1">
+            <a:schemeClr val="accent1"/>
+          </a:effectRef>
+          <a:fontRef idx="minor">
+            <a:schemeClr val="tx1"/>
+          </a:fontRef>
+        </p:style>
+      </p:cxnSp>
+      <p:cxnSp>
+        <p:nvCxnSpPr>
+          <p:cNvPr id="9" name="Straight Arrow Connector 8">
+            <a:extLst>
+              <a:ext uri="{FF2B5EF4-FFF2-40B4-BE49-F238E27FC236}">
+                <a16:creationId xmlns:a16="http://schemas.microsoft.com/office/drawing/2014/main" id="{377A8456-36A5-9548-C594-AC66AE1C4972}"/>
+              </a:ext>
+            </a:extLst>
+          </p:cNvPr>
+          <p:cNvCxnSpPr>
+            <a:cxnSpLocks/>
+            <a:stCxn id="2" idx="2"/>
+            <a:endCxn id="3" idx="0"/>
+          </p:cNvCxnSpPr>
+          <p:nvPr/>
+        </p:nvCxnSpPr>
+        <p:spPr>
+          <a:xfrm flipH="1">
+            <a:off x="4053591" y="5939717"/>
+            <a:ext cx="1" cy="299386"/>
+          </a:xfrm>
+          <a:prstGeom prst="straightConnector1">
+            <a:avLst/>
+          </a:prstGeom>
+          <a:ln w="28575">
+            <a:solidFill>
+              <a:srgbClr val="005587"/>
+            </a:solidFill>
+            <a:tailEnd type="triangle"/>
+          </a:ln>
+        </p:spPr>
+        <p:style>
+          <a:lnRef idx="1">
+            <a:schemeClr val="accent1"/>
+          </a:lnRef>
+          <a:fillRef idx="0">
+            <a:schemeClr val="accent1"/>
+          </a:fillRef>
+          <a:effectRef idx="0">
+            <a:schemeClr val="accent1"/>
+          </a:effectRef>
+          <a:fontRef idx="minor">
+            <a:schemeClr val="tx1"/>
+          </a:fontRef>
+        </p:style>
+      </p:cxnSp>
     </p:spTree>
     <p:extLst>
       <p:ext uri="{BB962C8B-B14F-4D97-AF65-F5344CB8AC3E}">
-        <p14:creationId xmlns:p14="http://schemas.microsoft.com/office/powerpoint/2010/main" val="3053611928"/>
+        <p14:creationId xmlns:p14="http://schemas.microsoft.com/office/powerpoint/2010/main" val="1121055123"/>
       </p:ext>
     </p:extLst>
   </p:cSld>
@@ -3621,7 +3468,7 @@
         <p:cNvPr id="1" name="">
           <a:extLst>
             <a:ext uri="{FF2B5EF4-FFF2-40B4-BE49-F238E27FC236}">
-              <a16:creationId xmlns:a16="http://schemas.microsoft.com/office/drawing/2014/main" id="{848DAFD4-CCEA-4E01-4E23-B624FF080210}"/>
+              <a16:creationId xmlns:a16="http://schemas.microsoft.com/office/drawing/2014/main" id="{E0517F44-C067-CB1C-2886-7160E3AD936D}"/>
             </a:ext>
           </a:extLst>
         </p:cNvPr>
@@ -3641,21 +3488,21 @@
           <p:cNvPr id="4" name="Straight Arrow Connector 3">
             <a:extLst>
               <a:ext uri="{FF2B5EF4-FFF2-40B4-BE49-F238E27FC236}">
-                <a16:creationId xmlns:a16="http://schemas.microsoft.com/office/drawing/2014/main" id="{3340DCF9-B909-B264-2225-DB331AE7B33B}"/>
+                <a16:creationId xmlns:a16="http://schemas.microsoft.com/office/drawing/2014/main" id="{24CA50A3-E6DB-E19C-5CD7-DDC93D3CC96C}"/>
               </a:ext>
             </a:extLst>
           </p:cNvPr>
           <p:cNvCxnSpPr>
             <a:cxnSpLocks/>
-            <a:stCxn id="5" idx="3"/>
-            <a:endCxn id="7" idx="1"/>
+            <a:stCxn id="5" idx="2"/>
+            <a:endCxn id="7" idx="0"/>
           </p:cNvCxnSpPr>
           <p:nvPr/>
         </p:nvCxnSpPr>
         <p:spPr>
-          <a:xfrm flipV="1">
-            <a:off x="3476659" y="1906729"/>
-            <a:ext cx="537101" cy="1"/>
+          <a:xfrm>
+            <a:off x="1982794" y="2216438"/>
+            <a:ext cx="0" cy="554973"/>
           </a:xfrm>
           <a:prstGeom prst="straightConnector1">
             <a:avLst/>
@@ -3687,7 +3534,7 @@
           <p:cNvPr id="5" name="Rectangle: Rounded Corners 4">
             <a:extLst>
               <a:ext uri="{FF2B5EF4-FFF2-40B4-BE49-F238E27FC236}">
-                <a16:creationId xmlns:a16="http://schemas.microsoft.com/office/drawing/2014/main" id="{EEC9F159-C112-93EB-3DBA-E1E7C47BC4FB}"/>
+                <a16:creationId xmlns:a16="http://schemas.microsoft.com/office/drawing/2014/main" id="{042698FA-3ED2-1EF3-CA07-46195A3396E7}"/>
               </a:ext>
             </a:extLst>
           </p:cNvPr>
@@ -3696,8 +3543,8 @@
         </p:nvSpPr>
         <p:spPr>
           <a:xfrm>
-            <a:off x="387458" y="1163932"/>
-            <a:ext cx="3089201" cy="1485595"/>
+            <a:off x="462066" y="228845"/>
+            <a:ext cx="3041456" cy="1987593"/>
           </a:xfrm>
           <a:prstGeom prst="roundRect">
             <a:avLst/>
@@ -3733,7 +3580,7 @@
           <a:p>
             <a:pPr algn="ctr"/>
             <a:r>
-              <a:rPr lang="en-US" sz="2000" b="1" dirty="0">
+              <a:rPr lang="en-US" sz="2333" b="1" u="sng" dirty="0">
                 <a:solidFill>
                   <a:schemeClr val="tx1"/>
                 </a:solidFill>
@@ -3744,7 +3591,7 @@
           <a:p>
             <a:pPr algn="ctr"/>
             <a:r>
-              <a:rPr lang="en-US" sz="2000" b="1" dirty="0">
+              <a:rPr lang="en-US" sz="2333" b="1" u="sng" dirty="0">
                 <a:solidFill>
                   <a:schemeClr val="tx1"/>
                 </a:solidFill>
@@ -3753,12 +3600,9 @@
             </a:r>
           </a:p>
           <a:p>
-            <a:pPr marL="171450" indent="-171450">
-              <a:buFont typeface="Wingdings" panose="05000000000000000000" pitchFamily="2" charset="2"/>
-              <a:buChar char="§"/>
-            </a:pPr>
-            <a:r>
-              <a:rPr lang="en-US" sz="2000" dirty="0">
+            <a:pPr algn="ctr"/>
+            <a:r>
+              <a:rPr lang="en-US" sz="2333" dirty="0">
                 <a:solidFill>
                   <a:schemeClr val="tx1"/>
                 </a:solidFill>
@@ -3767,12 +3611,9 @@
             </a:r>
           </a:p>
           <a:p>
-            <a:pPr marL="171450" indent="-171450">
-              <a:buFont typeface="Wingdings" panose="05000000000000000000" pitchFamily="2" charset="2"/>
-              <a:buChar char="§"/>
-            </a:pPr>
-            <a:r>
-              <a:rPr lang="en-US" sz="2000" dirty="0">
+            <a:pPr algn="ctr"/>
+            <a:r>
+              <a:rPr lang="en-US" sz="2333" dirty="0">
                 <a:solidFill>
                   <a:schemeClr val="tx1"/>
                 </a:solidFill>
@@ -3781,12 +3622,9 @@
             </a:r>
           </a:p>
           <a:p>
-            <a:pPr marL="171450" indent="-171450">
-              <a:buFont typeface="Wingdings" panose="05000000000000000000" pitchFamily="2" charset="2"/>
-              <a:buChar char="§"/>
-            </a:pPr>
-            <a:r>
-              <a:rPr lang="en-US" sz="2000" dirty="0">
+            <a:pPr algn="ctr"/>
+            <a:r>
+              <a:rPr lang="en-US" sz="2333" dirty="0">
                 <a:solidFill>
                   <a:schemeClr val="tx1"/>
                 </a:solidFill>
@@ -3801,7 +3639,7 @@
           <p:cNvPr id="7" name="Rectangle: Rounded Corners 6">
             <a:extLst>
               <a:ext uri="{FF2B5EF4-FFF2-40B4-BE49-F238E27FC236}">
-                <a16:creationId xmlns:a16="http://schemas.microsoft.com/office/drawing/2014/main" id="{F3615D3C-42B5-078E-B4C7-13840FB12D75}"/>
+                <a16:creationId xmlns:a16="http://schemas.microsoft.com/office/drawing/2014/main" id="{39DDB4DB-F906-1C49-1EAA-570865AA73E7}"/>
               </a:ext>
             </a:extLst>
           </p:cNvPr>
@@ -3810,8 +3648,8 @@
         </p:nvSpPr>
         <p:spPr>
           <a:xfrm>
-            <a:off x="4013760" y="1114295"/>
-            <a:ext cx="2606961" cy="1584868"/>
+            <a:off x="462066" y="2771409"/>
+            <a:ext cx="3041456" cy="1460076"/>
           </a:xfrm>
           <a:prstGeom prst="roundRect">
             <a:avLst/>
@@ -3845,12 +3683,9 @@
           <a:bodyPr lIns="0" tIns="0" rIns="0" bIns="0" rtlCol="0" anchor="ctr"/>
           <a:lstStyle/>
           <a:p>
-            <a:pPr marL="171450" indent="-171450">
-              <a:buFont typeface="Wingdings" panose="05000000000000000000" pitchFamily="2" charset="2"/>
-              <a:buChar char="§"/>
-            </a:pPr>
-            <a:r>
-              <a:rPr lang="en-US" sz="2000" dirty="0">
+            <a:pPr algn="ctr"/>
+            <a:r>
+              <a:rPr lang="en-US" sz="2333" dirty="0">
                 <a:solidFill>
                   <a:schemeClr val="tx1"/>
                 </a:solidFill>
@@ -3859,12 +3694,9 @@
             </a:r>
           </a:p>
           <a:p>
-            <a:pPr marL="171450" indent="-171450">
-              <a:buFont typeface="Wingdings" panose="05000000000000000000" pitchFamily="2" charset="2"/>
-              <a:buChar char="§"/>
-            </a:pPr>
-            <a:r>
-              <a:rPr lang="en-US" sz="2000" dirty="0">
+            <a:pPr algn="ctr"/>
+            <a:r>
+              <a:rPr lang="en-US" sz="2333" dirty="0">
                 <a:solidFill>
                   <a:schemeClr val="tx1"/>
                 </a:solidFill>
@@ -3873,12 +3705,9 @@
             </a:r>
           </a:p>
           <a:p>
-            <a:pPr marL="171450" indent="-171450">
-              <a:buFont typeface="Wingdings" panose="05000000000000000000" pitchFamily="2" charset="2"/>
-              <a:buChar char="§"/>
-            </a:pPr>
-            <a:r>
-              <a:rPr lang="en-US" sz="2000" dirty="0">
+            <a:pPr algn="ctr"/>
+            <a:r>
+              <a:rPr lang="en-US" sz="2333" dirty="0">
                 <a:solidFill>
                   <a:schemeClr val="tx1"/>
                 </a:solidFill>
@@ -3887,12 +3716,9 @@
             </a:r>
           </a:p>
           <a:p>
-            <a:pPr marL="171450" indent="-171450">
-              <a:buFont typeface="Wingdings" panose="05000000000000000000" pitchFamily="2" charset="2"/>
-              <a:buChar char="§"/>
-            </a:pPr>
-            <a:r>
-              <a:rPr lang="en-US" sz="2000" dirty="0">
+            <a:pPr algn="ctr"/>
+            <a:r>
+              <a:rPr lang="en-US" sz="2333" dirty="0">
                 <a:solidFill>
                   <a:schemeClr val="tx1"/>
                 </a:solidFill>
@@ -3904,10 +3730,10 @@
       </p:sp>
       <p:sp>
         <p:nvSpPr>
-          <p:cNvPr id="16" name="Rectangle: Rounded Corners 15">
+          <p:cNvPr id="2" name="Rectangle: Rounded Corners 1">
             <a:extLst>
               <a:ext uri="{FF2B5EF4-FFF2-40B4-BE49-F238E27FC236}">
-                <a16:creationId xmlns:a16="http://schemas.microsoft.com/office/drawing/2014/main" id="{DD7FD5EC-DB8B-3868-77EE-FF528C173B10}"/>
+                <a16:creationId xmlns:a16="http://schemas.microsoft.com/office/drawing/2014/main" id="{A7DEB04F-68E1-C33B-4BA2-484F001FA354}"/>
               </a:ext>
             </a:extLst>
           </p:cNvPr>
@@ -3916,8 +3742,8 @@
         </p:nvSpPr>
         <p:spPr>
           <a:xfrm>
-            <a:off x="6884719" y="2726977"/>
-            <a:ext cx="1590669" cy="685769"/>
+            <a:off x="3125701" y="5139651"/>
+            <a:ext cx="1855781" cy="800066"/>
           </a:xfrm>
           <a:prstGeom prst="roundRect">
             <a:avLst/>
@@ -3953,7 +3779,7 @@
           <a:p>
             <a:pPr algn="ctr"/>
             <a:r>
-              <a:rPr lang="en-US" sz="2000" b="1" dirty="0">
+              <a:rPr lang="en-US" sz="2333" b="1" dirty="0">
                 <a:solidFill>
                   <a:schemeClr val="tx2">
                     <a:lumMod val="90000"/>
@@ -3968,10 +3794,10 @@
       </p:sp>
       <p:sp>
         <p:nvSpPr>
-          <p:cNvPr id="24" name="Rectangle: Rounded Corners 23">
+          <p:cNvPr id="3" name="Rectangle: Rounded Corners 2">
             <a:extLst>
               <a:ext uri="{FF2B5EF4-FFF2-40B4-BE49-F238E27FC236}">
-                <a16:creationId xmlns:a16="http://schemas.microsoft.com/office/drawing/2014/main" id="{32E0B9B3-F5E0-C355-90FB-68C3207899C4}"/>
+                <a16:creationId xmlns:a16="http://schemas.microsoft.com/office/drawing/2014/main" id="{F110EC6A-873C-293A-17AA-65D78450F186}"/>
               </a:ext>
             </a:extLst>
           </p:cNvPr>
@@ -3980,8 +3806,8 @@
         </p:nvSpPr>
         <p:spPr>
           <a:xfrm>
-            <a:off x="9085918" y="2683691"/>
-            <a:ext cx="1590669" cy="745309"/>
+            <a:off x="3125701" y="6239105"/>
+            <a:ext cx="1855781" cy="869527"/>
           </a:xfrm>
           <a:prstGeom prst="roundRect">
             <a:avLst/>
@@ -4017,7 +3843,7 @@
           <a:p>
             <a:pPr algn="ctr"/>
             <a:r>
-              <a:rPr lang="en-US" sz="2000" b="1" dirty="0">
+              <a:rPr lang="en-US" sz="2333" b="1" dirty="0">
                 <a:solidFill>
                   <a:schemeClr val="tx2">
                     <a:lumMod val="90000"/>
@@ -4032,22 +3858,72 @@
       </p:sp>
       <p:cxnSp>
         <p:nvCxnSpPr>
-          <p:cNvPr id="28" name="Straight Arrow Connector 27">
+          <p:cNvPr id="6" name="Connector: Elbow 5">
             <a:extLst>
               <a:ext uri="{FF2B5EF4-FFF2-40B4-BE49-F238E27FC236}">
-                <a16:creationId xmlns:a16="http://schemas.microsoft.com/office/drawing/2014/main" id="{ED350E95-3C66-B132-0580-CBA9E917F5E1}"/>
+                <a16:creationId xmlns:a16="http://schemas.microsoft.com/office/drawing/2014/main" id="{237B8BD9-06E1-697D-FA57-9E18DA5C362C}"/>
               </a:ext>
             </a:extLst>
           </p:cNvPr>
           <p:cNvCxnSpPr>
             <a:cxnSpLocks/>
+            <a:stCxn id="7" idx="2"/>
+            <a:endCxn id="2" idx="0"/>
           </p:cNvCxnSpPr>
           <p:nvPr/>
         </p:nvCxnSpPr>
         <p:spPr>
-          <a:xfrm>
-            <a:off x="8475388" y="3056345"/>
-            <a:ext cx="610530" cy="1"/>
+          <a:xfrm rot="16200000" flipH="1">
+            <a:off x="2564107" y="3650168"/>
+            <a:ext cx="908170" cy="2070796"/>
+          </a:xfrm>
+          <a:prstGeom prst="bentConnector3">
+            <a:avLst>
+              <a:gd name="adj1" fmla="val 50000"/>
+            </a:avLst>
+          </a:prstGeom>
+          <a:ln w="28575">
+            <a:solidFill>
+              <a:srgbClr val="FFB81C"/>
+            </a:solidFill>
+            <a:tailEnd type="triangle"/>
+          </a:ln>
+        </p:spPr>
+        <p:style>
+          <a:lnRef idx="2">
+            <a:schemeClr val="accent1"/>
+          </a:lnRef>
+          <a:fillRef idx="0">
+            <a:schemeClr val="accent1"/>
+          </a:fillRef>
+          <a:effectRef idx="1">
+            <a:schemeClr val="accent1"/>
+          </a:effectRef>
+          <a:fontRef idx="minor">
+            <a:schemeClr val="tx1"/>
+          </a:fontRef>
+        </p:style>
+      </p:cxnSp>
+      <p:cxnSp>
+        <p:nvCxnSpPr>
+          <p:cNvPr id="9" name="Straight Arrow Connector 8">
+            <a:extLst>
+              <a:ext uri="{FF2B5EF4-FFF2-40B4-BE49-F238E27FC236}">
+                <a16:creationId xmlns:a16="http://schemas.microsoft.com/office/drawing/2014/main" id="{BCFB60F8-A1CE-E254-8710-36E8C292AB90}"/>
+              </a:ext>
+            </a:extLst>
+          </p:cNvPr>
+          <p:cNvCxnSpPr>
+            <a:cxnSpLocks/>
+            <a:stCxn id="2" idx="2"/>
+            <a:endCxn id="3" idx="0"/>
+          </p:cNvCxnSpPr>
+          <p:nvPr/>
+        </p:nvCxnSpPr>
+        <p:spPr>
+          <a:xfrm flipH="1">
+            <a:off x="4053591" y="5939717"/>
+            <a:ext cx="1" cy="299386"/>
           </a:xfrm>
           <a:prstGeom prst="straightConnector1">
             <a:avLst/>
@@ -4074,94 +3950,12 @@
           </a:fontRef>
         </p:style>
       </p:cxnSp>
-      <p:cxnSp>
-        <p:nvCxnSpPr>
-          <p:cNvPr id="33" name="Connector: Elbow 32">
+      <p:sp>
+        <p:nvSpPr>
+          <p:cNvPr id="18" name="Rectangle: Rounded Corners 17">
             <a:extLst>
               <a:ext uri="{FF2B5EF4-FFF2-40B4-BE49-F238E27FC236}">
-                <a16:creationId xmlns:a16="http://schemas.microsoft.com/office/drawing/2014/main" id="{56F75F7D-F9BA-064C-17F0-3E1C0DC8A0B0}"/>
-              </a:ext>
-            </a:extLst>
-          </p:cNvPr>
-          <p:cNvCxnSpPr>
-            <a:cxnSpLocks/>
-            <a:stCxn id="7" idx="3"/>
-            <a:endCxn id="16" idx="0"/>
-          </p:cNvCxnSpPr>
-          <p:nvPr/>
-        </p:nvCxnSpPr>
-        <p:spPr>
-          <a:xfrm>
-            <a:off x="6620721" y="1906729"/>
-            <a:ext cx="1059333" cy="820248"/>
-          </a:xfrm>
-          <a:prstGeom prst="bentConnector2">
-            <a:avLst/>
-          </a:prstGeom>
-          <a:ln w="28575">
-            <a:solidFill>
-              <a:srgbClr val="FFB81C"/>
-            </a:solidFill>
-            <a:tailEnd type="triangle"/>
-          </a:ln>
-        </p:spPr>
-        <p:style>
-          <a:lnRef idx="2">
-            <a:schemeClr val="accent1"/>
-          </a:lnRef>
-          <a:fillRef idx="0">
-            <a:schemeClr val="accent1"/>
-          </a:fillRef>
-          <a:effectRef idx="1">
-            <a:schemeClr val="accent1"/>
-          </a:effectRef>
-          <a:fontRef idx="minor">
-            <a:schemeClr val="tx1"/>
-          </a:fontRef>
-        </p:style>
-      </p:cxnSp>
-    </p:spTree>
-    <p:extLst>
-      <p:ext uri="{BB962C8B-B14F-4D97-AF65-F5344CB8AC3E}">
-        <p14:creationId xmlns:p14="http://schemas.microsoft.com/office/powerpoint/2010/main" val="3318584070"/>
-      </p:ext>
-    </p:extLst>
-  </p:cSld>
-  <p:clrMapOvr>
-    <a:masterClrMapping/>
-  </p:clrMapOvr>
-</p:sld>
-</file>
-
-<file path=ppt/slides/slide3.xml><?xml version="1.0" encoding="utf-8"?>
-<p:sld xmlns:a="http://schemas.openxmlformats.org/drawingml/2006/main" xmlns:r="http://schemas.openxmlformats.org/officeDocument/2006/relationships" xmlns:p="http://schemas.openxmlformats.org/presentationml/2006/main">
-  <p:cSld>
-    <p:spTree>
-      <p:nvGrpSpPr>
-        <p:cNvPr id="1" name="">
-          <a:extLst>
-            <a:ext uri="{FF2B5EF4-FFF2-40B4-BE49-F238E27FC236}">
-              <a16:creationId xmlns:a16="http://schemas.microsoft.com/office/drawing/2014/main" id="{1EE751D7-DBC3-06EE-45CB-B7155E752607}"/>
-            </a:ext>
-          </a:extLst>
-        </p:cNvPr>
-        <p:cNvGrpSpPr/>
-        <p:nvPr/>
-      </p:nvGrpSpPr>
-      <p:grpSpPr>
-        <a:xfrm>
-          <a:off x="0" y="0"/>
-          <a:ext cx="0" cy="0"/>
-          <a:chOff x="0" y="0"/>
-          <a:chExt cx="0" cy="0"/>
-        </a:xfrm>
-      </p:grpSpPr>
-      <p:sp>
-        <p:nvSpPr>
-          <p:cNvPr id="2" name="Rectangle: Rounded Corners 1">
-            <a:extLst>
-              <a:ext uri="{FF2B5EF4-FFF2-40B4-BE49-F238E27FC236}">
-                <a16:creationId xmlns:a16="http://schemas.microsoft.com/office/drawing/2014/main" id="{8F49BC98-8209-DA92-4C82-89A68E1FA886}"/>
+                <a16:creationId xmlns:a16="http://schemas.microsoft.com/office/drawing/2014/main" id="{6DCD4354-C5E1-1E58-4056-78B31DFD0FF5}"/>
               </a:ext>
             </a:extLst>
           </p:cNvPr>
@@ -4170,8 +3964,8 @@
         </p:nvSpPr>
         <p:spPr>
           <a:xfrm>
-            <a:off x="387458" y="3560179"/>
-            <a:ext cx="3083934" cy="1281347"/>
+            <a:off x="4203487" y="228845"/>
+            <a:ext cx="2759478" cy="1987593"/>
           </a:xfrm>
           <a:prstGeom prst="roundRect">
             <a:avLst/>
@@ -4207,26 +4001,23 @@
           <a:p>
             <a:pPr algn="ctr"/>
             <a:r>
-              <a:rPr lang="en-US" sz="2000" b="1" dirty="0">
+              <a:rPr lang="en-US" sz="2333" b="1" u="sng" dirty="0">
                 <a:solidFill>
                   <a:schemeClr val="tx1"/>
                 </a:solidFill>
               </a:rPr>
               <a:t>Occupational Stressors</a:t>
             </a:r>
-            <a:endParaRPr lang="en-US" sz="2000" dirty="0">
+            <a:endParaRPr lang="en-US" sz="2333" u="sng" dirty="0">
               <a:solidFill>
                 <a:schemeClr val="tx1"/>
               </a:solidFill>
             </a:endParaRPr>
           </a:p>
           <a:p>
-            <a:pPr marL="171450" indent="-171450">
-              <a:buFont typeface="Wingdings" panose="05000000000000000000" pitchFamily="2" charset="2"/>
-              <a:buChar char="§"/>
-            </a:pPr>
-            <a:r>
-              <a:rPr lang="en-US" sz="2000" dirty="0">
+            <a:pPr algn="ctr"/>
+            <a:r>
+              <a:rPr lang="en-US" sz="2333" dirty="0">
                 <a:solidFill>
                   <a:schemeClr val="tx1"/>
                 </a:solidFill>
@@ -4235,12 +4026,9 @@
             </a:r>
           </a:p>
           <a:p>
-            <a:pPr marL="171450" indent="-171450">
-              <a:buFont typeface="Wingdings" panose="05000000000000000000" pitchFamily="2" charset="2"/>
-              <a:buChar char="§"/>
-            </a:pPr>
-            <a:r>
-              <a:rPr lang="en-US" sz="2000" dirty="0">
+            <a:pPr algn="ctr"/>
+            <a:r>
+              <a:rPr lang="en-US" sz="2333" dirty="0">
                 <a:solidFill>
                   <a:schemeClr val="tx1"/>
                 </a:solidFill>
@@ -4249,12 +4037,9 @@
             </a:r>
           </a:p>
           <a:p>
-            <a:pPr marL="171450" indent="-171450">
-              <a:buFont typeface="Wingdings" panose="05000000000000000000" pitchFamily="2" charset="2"/>
-              <a:buChar char="§"/>
-            </a:pPr>
-            <a:r>
-              <a:rPr lang="en-US" sz="2000" dirty="0">
+            <a:pPr algn="ctr"/>
+            <a:r>
+              <a:rPr lang="en-US" sz="2333" dirty="0">
                 <a:solidFill>
                   <a:schemeClr val="tx1"/>
                 </a:solidFill>
@@ -4266,23 +4051,23 @@
       </p:sp>
       <p:cxnSp>
         <p:nvCxnSpPr>
-          <p:cNvPr id="3" name="Straight Arrow Connector 2">
+          <p:cNvPr id="19" name="Straight Arrow Connector 18">
             <a:extLst>
               <a:ext uri="{FF2B5EF4-FFF2-40B4-BE49-F238E27FC236}">
-                <a16:creationId xmlns:a16="http://schemas.microsoft.com/office/drawing/2014/main" id="{FFB4D58E-FE11-C42F-C92F-41B009837501}"/>
+                <a16:creationId xmlns:a16="http://schemas.microsoft.com/office/drawing/2014/main" id="{16782D37-7CC0-3627-8AD2-5FAB6DE096E0}"/>
               </a:ext>
             </a:extLst>
           </p:cNvPr>
           <p:cNvCxnSpPr>
             <a:cxnSpLocks/>
-            <a:stCxn id="2" idx="3"/>
+            <a:endCxn id="20" idx="0"/>
           </p:cNvCxnSpPr>
           <p:nvPr/>
         </p:nvCxnSpPr>
         <p:spPr>
-          <a:xfrm flipV="1">
-            <a:off x="3471392" y="4200852"/>
-            <a:ext cx="582981" cy="1"/>
+          <a:xfrm>
+            <a:off x="5583231" y="2216438"/>
+            <a:ext cx="1" cy="554973"/>
           </a:xfrm>
           <a:prstGeom prst="straightConnector1">
             <a:avLst/>
@@ -4309,58 +4094,12 @@
           </a:fontRef>
         </p:style>
       </p:cxnSp>
-      <p:cxnSp>
-        <p:nvCxnSpPr>
-          <p:cNvPr id="4" name="Straight Arrow Connector 3">
+      <p:sp>
+        <p:nvSpPr>
+          <p:cNvPr id="20" name="Rectangle: Rounded Corners 19">
             <a:extLst>
               <a:ext uri="{FF2B5EF4-FFF2-40B4-BE49-F238E27FC236}">
-                <a16:creationId xmlns:a16="http://schemas.microsoft.com/office/drawing/2014/main" id="{8B5E38C1-83E0-DB44-6555-9C14C02D89F0}"/>
-              </a:ext>
-            </a:extLst>
-          </p:cNvPr>
-          <p:cNvCxnSpPr>
-            <a:cxnSpLocks/>
-            <a:stCxn id="5" idx="3"/>
-            <a:endCxn id="7" idx="1"/>
-          </p:cNvCxnSpPr>
-          <p:nvPr/>
-        </p:nvCxnSpPr>
-        <p:spPr>
-          <a:xfrm flipV="1">
-            <a:off x="3476659" y="1906729"/>
-            <a:ext cx="537101" cy="1"/>
-          </a:xfrm>
-          <a:prstGeom prst="straightConnector1">
-            <a:avLst/>
-          </a:prstGeom>
-          <a:ln w="28575">
-            <a:solidFill>
-              <a:srgbClr val="FFB81C"/>
-            </a:solidFill>
-            <a:tailEnd type="triangle"/>
-          </a:ln>
-        </p:spPr>
-        <p:style>
-          <a:lnRef idx="1">
-            <a:schemeClr val="accent1"/>
-          </a:lnRef>
-          <a:fillRef idx="0">
-            <a:schemeClr val="accent1"/>
-          </a:fillRef>
-          <a:effectRef idx="0">
-            <a:schemeClr val="accent1"/>
-          </a:effectRef>
-          <a:fontRef idx="minor">
-            <a:schemeClr val="tx1"/>
-          </a:fontRef>
-        </p:style>
-      </p:cxnSp>
-      <p:sp>
-        <p:nvSpPr>
-          <p:cNvPr id="5" name="Rectangle: Rounded Corners 4">
-            <a:extLst>
-              <a:ext uri="{FF2B5EF4-FFF2-40B4-BE49-F238E27FC236}">
-                <a16:creationId xmlns:a16="http://schemas.microsoft.com/office/drawing/2014/main" id="{C86E392D-1127-864A-E5F2-BE9AFDADEA24}"/>
+                <a16:creationId xmlns:a16="http://schemas.microsoft.com/office/drawing/2014/main" id="{89438FF1-531B-04A0-971A-57EE44DB1502}"/>
               </a:ext>
             </a:extLst>
           </p:cNvPr>
@@ -4369,122 +4108,8 @@
         </p:nvSpPr>
         <p:spPr>
           <a:xfrm>
-            <a:off x="387458" y="1163932"/>
-            <a:ext cx="3089201" cy="1485595"/>
-          </a:xfrm>
-          <a:prstGeom prst="roundRect">
-            <a:avLst/>
-          </a:prstGeom>
-          <a:solidFill>
-            <a:schemeClr val="bg1"/>
-          </a:solidFill>
-          <a:ln w="28575">
-            <a:solidFill>
-              <a:srgbClr val="FFB81C"/>
-            </a:solidFill>
-          </a:ln>
-        </p:spPr>
-        <p:style>
-          <a:lnRef idx="2">
-            <a:schemeClr val="accent1">
-              <a:shade val="50000"/>
-            </a:schemeClr>
-          </a:lnRef>
-          <a:fillRef idx="1">
-            <a:schemeClr val="accent1"/>
-          </a:fillRef>
-          <a:effectRef idx="0">
-            <a:schemeClr val="accent1"/>
-          </a:effectRef>
-          <a:fontRef idx="minor">
-            <a:schemeClr val="lt1"/>
-          </a:fontRef>
-        </p:style>
-        <p:txBody>
-          <a:bodyPr rtlCol="0" anchor="ctr"/>
-          <a:lstStyle/>
-          <a:p>
-            <a:pPr algn="ctr"/>
-            <a:r>
-              <a:rPr lang="en-US" sz="2000" b="1" dirty="0">
-                <a:solidFill>
-                  <a:schemeClr val="tx1"/>
-                </a:solidFill>
-              </a:rPr>
-              <a:t>Occupational </a:t>
-            </a:r>
-          </a:p>
-          <a:p>
-            <a:pPr algn="ctr"/>
-            <a:r>
-              <a:rPr lang="en-US" sz="2000" b="1" dirty="0">
-                <a:solidFill>
-                  <a:schemeClr val="tx1"/>
-                </a:solidFill>
-              </a:rPr>
-              <a:t>Stimulation</a:t>
-            </a:r>
-          </a:p>
-          <a:p>
-            <a:pPr marL="171450" indent="-171450">
-              <a:buFont typeface="Wingdings" panose="05000000000000000000" pitchFamily="2" charset="2"/>
-              <a:buChar char="§"/>
-            </a:pPr>
-            <a:r>
-              <a:rPr lang="en-US" sz="2000" dirty="0">
-                <a:solidFill>
-                  <a:schemeClr val="tx1"/>
-                </a:solidFill>
-              </a:rPr>
-              <a:t>Complexity</a:t>
-            </a:r>
-          </a:p>
-          <a:p>
-            <a:pPr marL="171450" indent="-171450">
-              <a:buFont typeface="Wingdings" panose="05000000000000000000" pitchFamily="2" charset="2"/>
-              <a:buChar char="§"/>
-            </a:pPr>
-            <a:r>
-              <a:rPr lang="en-US" sz="2000" dirty="0">
-                <a:solidFill>
-                  <a:schemeClr val="tx1"/>
-                </a:solidFill>
-              </a:rPr>
-              <a:t>Decision authority</a:t>
-            </a:r>
-          </a:p>
-          <a:p>
-            <a:pPr marL="171450" indent="-171450">
-              <a:buFont typeface="Wingdings" panose="05000000000000000000" pitchFamily="2" charset="2"/>
-              <a:buChar char="§"/>
-            </a:pPr>
-            <a:r>
-              <a:rPr lang="en-US" sz="2000" dirty="0">
-                <a:solidFill>
-                  <a:schemeClr val="tx1"/>
-                </a:solidFill>
-              </a:rPr>
-              <a:t>Skill discretion</a:t>
-            </a:r>
-          </a:p>
-        </p:txBody>
-      </p:sp>
-      <p:sp>
-        <p:nvSpPr>
-          <p:cNvPr id="6" name="Rectangle: Rounded Corners 5">
-            <a:extLst>
-              <a:ext uri="{FF2B5EF4-FFF2-40B4-BE49-F238E27FC236}">
-                <a16:creationId xmlns:a16="http://schemas.microsoft.com/office/drawing/2014/main" id="{3C5497B7-A747-27DD-2C47-7927272F78BC}"/>
-              </a:ext>
-            </a:extLst>
-          </p:cNvPr>
-          <p:cNvSpPr/>
-          <p:nvPr/>
-        </p:nvSpPr>
-        <p:spPr>
-          <a:xfrm>
-            <a:off x="4054373" y="3412746"/>
-            <a:ext cx="2562235" cy="1576212"/>
+            <a:off x="4203487" y="2771406"/>
+            <a:ext cx="2759478" cy="1463336"/>
           </a:xfrm>
           <a:prstGeom prst="roundRect">
             <a:avLst/>
@@ -4518,12 +4143,9 @@
           <a:bodyPr lIns="0" tIns="0" rIns="0" bIns="0" rtlCol="0" anchor="ctr"/>
           <a:lstStyle/>
           <a:p>
-            <a:pPr marL="171450" indent="-171450">
-              <a:buFont typeface="Wingdings" panose="05000000000000000000" pitchFamily="2" charset="2"/>
-              <a:buChar char="§"/>
-            </a:pPr>
-            <a:r>
-              <a:rPr lang="en-US" sz="2000" dirty="0">
+            <a:pPr algn="ctr"/>
+            <a:r>
+              <a:rPr lang="en-US" sz="2333" dirty="0">
                 <a:solidFill>
                   <a:schemeClr val="tx1"/>
                 </a:solidFill>
@@ -4532,12 +4154,9 @@
             </a:r>
           </a:p>
           <a:p>
-            <a:pPr marL="171450" indent="-171450">
-              <a:buFont typeface="Wingdings" panose="05000000000000000000" pitchFamily="2" charset="2"/>
-              <a:buChar char="§"/>
-            </a:pPr>
-            <a:r>
-              <a:rPr lang="en-US" sz="2000" dirty="0">
+            <a:pPr algn="ctr"/>
+            <a:r>
+              <a:rPr lang="en-US" sz="2333" dirty="0">
                 <a:solidFill>
                   <a:schemeClr val="tx1"/>
                 </a:solidFill>
@@ -4546,12 +4165,9 @@
             </a:r>
           </a:p>
           <a:p>
-            <a:pPr marL="171450" indent="-171450">
-              <a:buFont typeface="Wingdings" panose="05000000000000000000" pitchFamily="2" charset="2"/>
-              <a:buChar char="§"/>
-            </a:pPr>
-            <a:r>
-              <a:rPr lang="en-US" sz="2000" dirty="0">
+            <a:pPr algn="ctr"/>
+            <a:r>
+              <a:rPr lang="en-US" sz="2333" dirty="0">
                 <a:solidFill>
                   <a:schemeClr val="tx1"/>
                 </a:solidFill>
@@ -4560,26 +4176,9 @@
             </a:r>
           </a:p>
           <a:p>
-            <a:pPr marL="171450" indent="-171450">
-              <a:buFont typeface="Wingdings" panose="05000000000000000000" pitchFamily="2" charset="2"/>
-              <a:buChar char="§"/>
-            </a:pPr>
-            <a:r>
-              <a:rPr lang="en-US" sz="2000" dirty="0">
-                <a:solidFill>
-                  <a:schemeClr val="tx1"/>
-                </a:solidFill>
-              </a:rPr>
-              <a:t>Inflammation</a:t>
-            </a:r>
-          </a:p>
-          <a:p>
-            <a:pPr marL="171450" indent="-171450">
-              <a:buFont typeface="Wingdings" panose="05000000000000000000" pitchFamily="2" charset="2"/>
-              <a:buChar char="§"/>
-            </a:pPr>
-            <a:r>
-              <a:rPr lang="en-US" sz="2000" dirty="0">
+            <a:pPr algn="ctr"/>
+            <a:r>
+              <a:rPr lang="en-US" sz="2333" dirty="0">
                 <a:solidFill>
                   <a:schemeClr val="tx1"/>
                 </a:solidFill>
@@ -4589,352 +4188,31 @@
           </a:p>
         </p:txBody>
       </p:sp>
-      <p:sp>
-        <p:nvSpPr>
-          <p:cNvPr id="7" name="Rectangle: Rounded Corners 6">
+      <p:cxnSp>
+        <p:nvCxnSpPr>
+          <p:cNvPr id="21" name="Connector: Elbow 20">
             <a:extLst>
               <a:ext uri="{FF2B5EF4-FFF2-40B4-BE49-F238E27FC236}">
-                <a16:creationId xmlns:a16="http://schemas.microsoft.com/office/drawing/2014/main" id="{1B0A25F7-547B-9214-40AA-7239703E79A3}"/>
-              </a:ext>
-            </a:extLst>
-          </p:cNvPr>
-          <p:cNvSpPr/>
-          <p:nvPr/>
-        </p:nvSpPr>
-        <p:spPr>
-          <a:xfrm>
-            <a:off x="4013760" y="1114295"/>
-            <a:ext cx="2606961" cy="1584868"/>
-          </a:xfrm>
-          <a:prstGeom prst="roundRect">
-            <a:avLst/>
-          </a:prstGeom>
-          <a:solidFill>
-            <a:schemeClr val="bg1"/>
-          </a:solidFill>
-          <a:ln w="28575">
-            <a:solidFill>
-              <a:srgbClr val="FFB81C"/>
-            </a:solidFill>
-          </a:ln>
-        </p:spPr>
-        <p:style>
-          <a:lnRef idx="2">
-            <a:schemeClr val="accent1">
-              <a:shade val="50000"/>
-            </a:schemeClr>
-          </a:lnRef>
-          <a:fillRef idx="1">
-            <a:schemeClr val="accent1"/>
-          </a:fillRef>
-          <a:effectRef idx="0">
-            <a:schemeClr val="accent1"/>
-          </a:effectRef>
-          <a:fontRef idx="minor">
-            <a:schemeClr val="lt1"/>
-          </a:fontRef>
-        </p:style>
-        <p:txBody>
-          <a:bodyPr lIns="0" tIns="0" rIns="0" bIns="0" rtlCol="0" anchor="ctr"/>
-          <a:lstStyle/>
-          <a:p>
-            <a:pPr marL="171450" indent="-171450">
-              <a:buFont typeface="Wingdings" panose="05000000000000000000" pitchFamily="2" charset="2"/>
-              <a:buChar char="§"/>
-            </a:pPr>
-            <a:r>
-              <a:rPr lang="en-US" sz="2000" dirty="0">
-                <a:solidFill>
-                  <a:schemeClr val="tx1"/>
-                </a:solidFill>
-              </a:rPr>
-              <a:t>Neurogenesis</a:t>
-            </a:r>
-          </a:p>
-          <a:p>
-            <a:pPr marL="171450" indent="-171450">
-              <a:buFont typeface="Wingdings" panose="05000000000000000000" pitchFamily="2" charset="2"/>
-              <a:buChar char="§"/>
-            </a:pPr>
-            <a:r>
-              <a:rPr lang="en-US" sz="2000" dirty="0">
-                <a:solidFill>
-                  <a:schemeClr val="tx1"/>
-                </a:solidFill>
-              </a:rPr>
-              <a:t>Neuroprotection</a:t>
-            </a:r>
-          </a:p>
-          <a:p>
-            <a:pPr marL="171450" indent="-171450">
-              <a:buFont typeface="Wingdings" panose="05000000000000000000" pitchFamily="2" charset="2"/>
-              <a:buChar char="§"/>
-            </a:pPr>
-            <a:r>
-              <a:rPr lang="en-US" sz="2000" dirty="0">
-                <a:solidFill>
-                  <a:schemeClr val="tx1"/>
-                </a:solidFill>
-              </a:rPr>
-              <a:t>Neuroplasticity</a:t>
-            </a:r>
-          </a:p>
-          <a:p>
-            <a:pPr marL="171450" indent="-171450">
-              <a:buFont typeface="Wingdings" panose="05000000000000000000" pitchFamily="2" charset="2"/>
-              <a:buChar char="§"/>
-            </a:pPr>
-            <a:r>
-              <a:rPr lang="en-US" sz="2000" dirty="0">
-                <a:solidFill>
-                  <a:schemeClr val="tx1"/>
-                </a:solidFill>
-              </a:rPr>
-              <a:t>Vascular Health</a:t>
-            </a:r>
-          </a:p>
-        </p:txBody>
-      </p:sp>
-      <p:sp>
-        <p:nvSpPr>
-          <p:cNvPr id="16" name="Rectangle: Rounded Corners 15">
-            <a:extLst>
-              <a:ext uri="{FF2B5EF4-FFF2-40B4-BE49-F238E27FC236}">
-                <a16:creationId xmlns:a16="http://schemas.microsoft.com/office/drawing/2014/main" id="{9B2682C9-D7F3-31CF-9ECD-46E0BAABEE5A}"/>
-              </a:ext>
-            </a:extLst>
-          </p:cNvPr>
-          <p:cNvSpPr/>
-          <p:nvPr/>
-        </p:nvSpPr>
-        <p:spPr>
-          <a:xfrm>
-            <a:off x="6884719" y="2726977"/>
-            <a:ext cx="1590669" cy="685769"/>
-          </a:xfrm>
-          <a:prstGeom prst="roundRect">
-            <a:avLst/>
-          </a:prstGeom>
-          <a:solidFill>
-            <a:schemeClr val="bg1"/>
-          </a:solidFill>
-          <a:ln w="28575">
-            <a:solidFill>
-              <a:srgbClr val="005587"/>
-            </a:solidFill>
-          </a:ln>
-        </p:spPr>
-        <p:style>
-          <a:lnRef idx="2">
-            <a:schemeClr val="accent1">
-              <a:shade val="50000"/>
-            </a:schemeClr>
-          </a:lnRef>
-          <a:fillRef idx="1">
-            <a:schemeClr val="accent1"/>
-          </a:fillRef>
-          <a:effectRef idx="0">
-            <a:schemeClr val="accent1"/>
-          </a:effectRef>
-          <a:fontRef idx="minor">
-            <a:schemeClr val="lt1"/>
-          </a:fontRef>
-        </p:style>
-        <p:txBody>
-          <a:bodyPr lIns="0" tIns="0" rIns="0" bIns="0" rtlCol="0" anchor="ctr"/>
-          <a:lstStyle/>
-          <a:p>
-            <a:pPr algn="ctr"/>
-            <a:r>
-              <a:rPr lang="en-US" sz="2000" b="1" dirty="0">
-                <a:solidFill>
-                  <a:schemeClr val="tx2">
-                    <a:lumMod val="90000"/>
-                    <a:lumOff val="10000"/>
-                  </a:schemeClr>
-                </a:solidFill>
-              </a:rPr>
-              <a:t>Brain health</a:t>
-            </a:r>
-          </a:p>
-        </p:txBody>
-      </p:sp>
-      <p:sp>
-        <p:nvSpPr>
-          <p:cNvPr id="24" name="Rectangle: Rounded Corners 23">
-            <a:extLst>
-              <a:ext uri="{FF2B5EF4-FFF2-40B4-BE49-F238E27FC236}">
-                <a16:creationId xmlns:a16="http://schemas.microsoft.com/office/drawing/2014/main" id="{4C2EB86F-E5F5-F720-11BC-881689124F02}"/>
-              </a:ext>
-            </a:extLst>
-          </p:cNvPr>
-          <p:cNvSpPr/>
-          <p:nvPr/>
-        </p:nvSpPr>
-        <p:spPr>
-          <a:xfrm>
-            <a:off x="9085918" y="2683691"/>
-            <a:ext cx="1590669" cy="745309"/>
-          </a:xfrm>
-          <a:prstGeom prst="roundRect">
-            <a:avLst/>
-          </a:prstGeom>
-          <a:solidFill>
-            <a:schemeClr val="bg1"/>
-          </a:solidFill>
-          <a:ln w="28575">
-            <a:solidFill>
-              <a:srgbClr val="005587"/>
-            </a:solidFill>
-          </a:ln>
-        </p:spPr>
-        <p:style>
-          <a:lnRef idx="2">
-            <a:schemeClr val="accent1">
-              <a:shade val="50000"/>
-            </a:schemeClr>
-          </a:lnRef>
-          <a:fillRef idx="1">
-            <a:schemeClr val="accent1"/>
-          </a:fillRef>
-          <a:effectRef idx="0">
-            <a:schemeClr val="accent1"/>
-          </a:effectRef>
-          <a:fontRef idx="minor">
-            <a:schemeClr val="lt1"/>
-          </a:fontRef>
-        </p:style>
-        <p:txBody>
-          <a:bodyPr lIns="0" tIns="0" rIns="0" bIns="0" rtlCol="0" anchor="ctr"/>
-          <a:lstStyle/>
-          <a:p>
-            <a:pPr algn="ctr"/>
-            <a:r>
-              <a:rPr lang="en-US" sz="2000" b="1" dirty="0">
-                <a:solidFill>
-                  <a:schemeClr val="tx2">
-                    <a:lumMod val="90000"/>
-                    <a:lumOff val="10000"/>
-                  </a:schemeClr>
-                </a:solidFill>
-              </a:rPr>
-              <a:t>Cognitive decline</a:t>
-            </a:r>
-          </a:p>
-        </p:txBody>
-      </p:sp>
-      <p:cxnSp>
-        <p:nvCxnSpPr>
-          <p:cNvPr id="28" name="Straight Arrow Connector 27">
-            <a:extLst>
-              <a:ext uri="{FF2B5EF4-FFF2-40B4-BE49-F238E27FC236}">
-                <a16:creationId xmlns:a16="http://schemas.microsoft.com/office/drawing/2014/main" id="{B67493A4-9112-5D28-2FB7-C972B762F4AC}"/>
+                <a16:creationId xmlns:a16="http://schemas.microsoft.com/office/drawing/2014/main" id="{57CAAD3A-0D33-5067-16FF-66E94A397BE7}"/>
               </a:ext>
             </a:extLst>
           </p:cNvPr>
           <p:cNvCxnSpPr>
             <a:cxnSpLocks/>
+            <a:stCxn id="20" idx="2"/>
+            <a:endCxn id="2" idx="0"/>
           </p:cNvCxnSpPr>
           <p:nvPr/>
         </p:nvCxnSpPr>
         <p:spPr>
-          <a:xfrm>
-            <a:off x="8475388" y="3056345"/>
-            <a:ext cx="610530" cy="1"/>
+          <a:xfrm rot="5400000">
+            <a:off x="4365956" y="3922383"/>
+            <a:ext cx="904909" cy="1529639"/>
           </a:xfrm>
-          <a:prstGeom prst="straightConnector1">
-            <a:avLst/>
-          </a:prstGeom>
-          <a:ln w="28575">
-            <a:solidFill>
-              <a:srgbClr val="005587"/>
-            </a:solidFill>
-            <a:tailEnd type="triangle"/>
-          </a:ln>
-        </p:spPr>
-        <p:style>
-          <a:lnRef idx="1">
-            <a:schemeClr val="accent1"/>
-          </a:lnRef>
-          <a:fillRef idx="0">
-            <a:schemeClr val="accent1"/>
-          </a:fillRef>
-          <a:effectRef idx="0">
-            <a:schemeClr val="accent1"/>
-          </a:effectRef>
-          <a:fontRef idx="minor">
-            <a:schemeClr val="tx1"/>
-          </a:fontRef>
-        </p:style>
-      </p:cxnSp>
-      <p:cxnSp>
-        <p:nvCxnSpPr>
-          <p:cNvPr id="33" name="Connector: Elbow 32">
-            <a:extLst>
-              <a:ext uri="{FF2B5EF4-FFF2-40B4-BE49-F238E27FC236}">
-                <a16:creationId xmlns:a16="http://schemas.microsoft.com/office/drawing/2014/main" id="{EA02A9A5-E802-490E-97BD-1A4816EF6F39}"/>
-              </a:ext>
-            </a:extLst>
-          </p:cNvPr>
-          <p:cNvCxnSpPr>
-            <a:cxnSpLocks/>
-            <a:stCxn id="7" idx="3"/>
-            <a:endCxn id="16" idx="0"/>
-          </p:cNvCxnSpPr>
-          <p:nvPr/>
-        </p:nvCxnSpPr>
-        <p:spPr>
-          <a:xfrm>
-            <a:off x="6620721" y="1906729"/>
-            <a:ext cx="1059333" cy="820248"/>
-          </a:xfrm>
-          <a:prstGeom prst="bentConnector2">
-            <a:avLst/>
-          </a:prstGeom>
-          <a:ln w="28575">
-            <a:solidFill>
-              <a:srgbClr val="FFB81C"/>
-            </a:solidFill>
-            <a:tailEnd type="triangle"/>
-          </a:ln>
-        </p:spPr>
-        <p:style>
-          <a:lnRef idx="2">
-            <a:schemeClr val="accent1"/>
-          </a:lnRef>
-          <a:fillRef idx="0">
-            <a:schemeClr val="accent1"/>
-          </a:fillRef>
-          <a:effectRef idx="1">
-            <a:schemeClr val="accent1"/>
-          </a:effectRef>
-          <a:fontRef idx="minor">
-            <a:schemeClr val="tx1"/>
-          </a:fontRef>
-        </p:style>
-      </p:cxnSp>
-      <p:cxnSp>
-        <p:nvCxnSpPr>
-          <p:cNvPr id="34" name="Connector: Elbow 33">
-            <a:extLst>
-              <a:ext uri="{FF2B5EF4-FFF2-40B4-BE49-F238E27FC236}">
-                <a16:creationId xmlns:a16="http://schemas.microsoft.com/office/drawing/2014/main" id="{BAA078B5-8365-4B09-1641-376B1A97C262}"/>
-              </a:ext>
-            </a:extLst>
-          </p:cNvPr>
-          <p:cNvCxnSpPr>
-            <a:cxnSpLocks/>
-            <a:endCxn id="16" idx="2"/>
-          </p:cNvCxnSpPr>
-          <p:nvPr/>
-        </p:nvCxnSpPr>
-        <p:spPr>
-          <a:xfrm flipV="1">
-            <a:off x="6616608" y="3412746"/>
-            <a:ext cx="1063446" cy="685778"/>
-          </a:xfrm>
-          <a:prstGeom prst="bentConnector2">
-            <a:avLst/>
+          <a:prstGeom prst="bentConnector3">
+            <a:avLst>
+              <a:gd name="adj1" fmla="val 50000"/>
+            </a:avLst>
           </a:prstGeom>
           <a:ln w="28575">
             <a:solidFill>
@@ -4961,7 +4239,7 @@
     </p:spTree>
     <p:extLst>
       <p:ext uri="{BB962C8B-B14F-4D97-AF65-F5344CB8AC3E}">
-        <p14:creationId xmlns:p14="http://schemas.microsoft.com/office/powerpoint/2010/main" val="3953244052"/>
+        <p14:creationId xmlns:p14="http://schemas.microsoft.com/office/powerpoint/2010/main" val="3147949449"/>
       </p:ext>
     </p:extLst>
   </p:cSld>
@@ -4974,7 +4252,7 @@
 <file path=ppt/theme/theme1.xml><?xml version="1.0" encoding="utf-8"?>
 <a:theme xmlns:a="http://schemas.openxmlformats.org/drawingml/2006/main" name="Office Theme">
   <a:themeElements>
-    <a:clrScheme name="Office">
+    <a:clrScheme name="Office Theme">
       <a:dk1>
         <a:sysClr val="windowText" lastClr="000000"/>
       </a:dk1>
@@ -5012,7 +4290,7 @@
         <a:srgbClr val="96607D"/>
       </a:folHlink>
     </a:clrScheme>
-    <a:fontScheme name="Office">
+    <a:fontScheme name="Office Theme">
       <a:majorFont>
         <a:latin typeface="Aptos Display" panose="02110004020202020204"/>
         <a:ea typeface=""/>
@@ -5118,7 +4396,7 @@
         <a:font script="Tfng" typeface="Ebrima"/>
       </a:minorFont>
     </a:fontScheme>
-    <a:fmtScheme name="Office">
+    <a:fmtScheme name="Office Theme">
       <a:fillStyleLst>
         <a:solidFill>
           <a:schemeClr val="phClr"/>
